--- a/6 Semester Seminar/Reverse_Geocoding.pptx
+++ b/6 Semester Seminar/Reverse_Geocoding.pptx
@@ -5,7 +5,7 @@
     <p:sldMasterId id="2147483659" r:id="rId1"/>
   </p:sldMasterIdLst>
   <p:notesMasterIdLst>
-    <p:notesMasterId r:id="rId14"/>
+    <p:notesMasterId r:id="rId15"/>
   </p:notesMasterIdLst>
   <p:sldIdLst>
     <p:sldId id="256" r:id="rId2"/>
@@ -13,13 +13,14 @@
     <p:sldId id="283" r:id="rId4"/>
     <p:sldId id="259" r:id="rId5"/>
     <p:sldId id="287" r:id="rId6"/>
-    <p:sldId id="269" r:id="rId7"/>
-    <p:sldId id="261" r:id="rId8"/>
-    <p:sldId id="294" r:id="rId9"/>
-    <p:sldId id="295" r:id="rId10"/>
-    <p:sldId id="296" r:id="rId11"/>
-    <p:sldId id="297" r:id="rId12"/>
-    <p:sldId id="262" r:id="rId13"/>
+    <p:sldId id="298" r:id="rId7"/>
+    <p:sldId id="269" r:id="rId8"/>
+    <p:sldId id="261" r:id="rId9"/>
+    <p:sldId id="294" r:id="rId10"/>
+    <p:sldId id="295" r:id="rId11"/>
+    <p:sldId id="296" r:id="rId12"/>
+    <p:sldId id="297" r:id="rId13"/>
+    <p:sldId id="262" r:id="rId14"/>
   </p:sldIdLst>
   <p:sldSz cx="9144000" cy="5143500" type="screen16x9"/>
   <p:notesSz cx="6858000" cy="9144000"/>
@@ -10261,10 +10262,544 @@
   <p:clrMapOvr>
     <a:masterClrMapping/>
   </p:clrMapOvr>
+  <p:timing>
+    <p:tnLst>
+      <p:par>
+        <p:cTn id="1" dur="indefinite" restart="never" nodeType="tmRoot">
+          <p:childTnLst>
+            <p:seq concurrent="1" nextAc="seek">
+              <p:cTn id="2" dur="indefinite" nodeType="mainSeq">
+                <p:childTnLst>
+                  <p:par>
+                    <p:cTn id="3" fill="hold">
+                      <p:stCondLst>
+                        <p:cond delay="indefinite"/>
+                        <p:cond evt="onBegin" delay="0">
+                          <p:tn val="2"/>
+                        </p:cond>
+                      </p:stCondLst>
+                      <p:childTnLst>
+                        <p:par>
+                          <p:cTn id="4" fill="hold">
+                            <p:stCondLst>
+                              <p:cond delay="0"/>
+                            </p:stCondLst>
+                            <p:childTnLst>
+                              <p:par>
+                                <p:cTn id="5" presetID="38" presetClass="entr" presetSubtype="0" accel="50000" fill="hold" grpId="0" nodeType="withEffect">
+                                  <p:stCondLst>
+                                    <p:cond delay="0"/>
+                                  </p:stCondLst>
+                                  <p:iterate type="lt">
+                                    <p:tmPct val="50000"/>
+                                  </p:iterate>
+                                  <p:childTnLst>
+                                    <p:set>
+                                      <p:cBhvr>
+                                        <p:cTn id="6" dur="1" fill="hold">
+                                          <p:stCondLst>
+                                            <p:cond delay="0"/>
+                                          </p:stCondLst>
+                                        </p:cTn>
+                                        <p:tgtEl>
+                                          <p:spTgt spid="373"/>
+                                        </p:tgtEl>
+                                        <p:attrNameLst>
+                                          <p:attrName>style.visibility</p:attrName>
+                                        </p:attrNameLst>
+                                      </p:cBhvr>
+                                      <p:to>
+                                        <p:strVal val="visible"/>
+                                      </p:to>
+                                    </p:set>
+                                    <p:set>
+                                      <p:cBhvr>
+                                        <p:cTn id="7" dur="114" fill="hold">
+                                          <p:stCondLst>
+                                            <p:cond delay="0"/>
+                                          </p:stCondLst>
+                                        </p:cTn>
+                                        <p:tgtEl>
+                                          <p:spTgt spid="373"/>
+                                        </p:tgtEl>
+                                        <p:attrNameLst>
+                                          <p:attrName>style.rotation</p:attrName>
+                                        </p:attrNameLst>
+                                      </p:cBhvr>
+                                      <p:to>
+                                        <p:strVal val="-45.0"/>
+                                      </p:to>
+                                    </p:set>
+                                    <p:anim calcmode="lin" valueType="num">
+                                      <p:cBhvr>
+                                        <p:cTn id="8" dur="114" fill="hold">
+                                          <p:stCondLst>
+                                            <p:cond delay="114"/>
+                                          </p:stCondLst>
+                                        </p:cTn>
+                                        <p:tgtEl>
+                                          <p:spTgt spid="373"/>
+                                        </p:tgtEl>
+                                        <p:attrNameLst>
+                                          <p:attrName>style.rotation</p:attrName>
+                                        </p:attrNameLst>
+                                      </p:cBhvr>
+                                      <p:tavLst>
+                                        <p:tav tm="0">
+                                          <p:val>
+                                            <p:fltVal val="-45"/>
+                                          </p:val>
+                                        </p:tav>
+                                        <p:tav tm="69900">
+                                          <p:val>
+                                            <p:fltVal val="45"/>
+                                          </p:val>
+                                        </p:tav>
+                                        <p:tav tm="100000">
+                                          <p:val>
+                                            <p:fltVal val="0"/>
+                                          </p:val>
+                                        </p:tav>
+                                      </p:tavLst>
+                                    </p:anim>
+                                    <p:anim calcmode="lin" valueType="num">
+                                      <p:cBhvr>
+                                        <p:cTn id="9" dur="114" fill="hold">
+                                          <p:stCondLst>
+                                            <p:cond delay="0"/>
+                                          </p:stCondLst>
+                                        </p:cTn>
+                                        <p:tgtEl>
+                                          <p:spTgt spid="373"/>
+                                        </p:tgtEl>
+                                        <p:attrNameLst>
+                                          <p:attrName>ppt_y</p:attrName>
+                                        </p:attrNameLst>
+                                      </p:cBhvr>
+                                      <p:tavLst>
+                                        <p:tav tm="0">
+                                          <p:val>
+                                            <p:strVal val="#ppt_y-1"/>
+                                          </p:val>
+                                        </p:tav>
+                                        <p:tav tm="100000">
+                                          <p:val>
+                                            <p:strVal val="#ppt_y-(0.354*#ppt_w-0.172*#ppt_h)"/>
+                                          </p:val>
+                                        </p:tav>
+                                      </p:tavLst>
+                                    </p:anim>
+                                    <p:anim calcmode="lin" valueType="num">
+                                      <p:cBhvr>
+                                        <p:cTn id="10" dur="39" decel="50000" autoRev="1" fill="hold">
+                                          <p:stCondLst>
+                                            <p:cond delay="114"/>
+                                          </p:stCondLst>
+                                        </p:cTn>
+                                        <p:tgtEl>
+                                          <p:spTgt spid="373"/>
+                                        </p:tgtEl>
+                                        <p:attrNameLst>
+                                          <p:attrName>ppt_y</p:attrName>
+                                        </p:attrNameLst>
+                                      </p:cBhvr>
+                                      <p:tavLst>
+                                        <p:tav tm="0">
+                                          <p:val>
+                                            <p:strVal val="#ppt_y-(0.354*#ppt_w-0.172*#ppt_h)"/>
+                                          </p:val>
+                                        </p:tav>
+                                        <p:tav tm="100000">
+                                          <p:val>
+                                            <p:strVal val="#ppt_y-(0.354*#ppt_w-0.172*#ppt_h)-#ppt_h/2"/>
+                                          </p:val>
+                                        </p:tav>
+                                      </p:tavLst>
+                                    </p:anim>
+                                    <p:anim calcmode="lin" valueType="num">
+                                      <p:cBhvr>
+                                        <p:cTn id="11" dur="34" fill="hold">
+                                          <p:stCondLst>
+                                            <p:cond delay="216"/>
+                                          </p:stCondLst>
+                                        </p:cTn>
+                                        <p:tgtEl>
+                                          <p:spTgt spid="373"/>
+                                        </p:tgtEl>
+                                        <p:attrNameLst>
+                                          <p:attrName>ppt_y</p:attrName>
+                                        </p:attrNameLst>
+                                      </p:cBhvr>
+                                      <p:tavLst>
+                                        <p:tav tm="0">
+                                          <p:val>
+                                            <p:strVal val="#ppt_y-(0.354*#ppt_w-0.172*#ppt_h)"/>
+                                          </p:val>
+                                        </p:tav>
+                                        <p:tav tm="100000">
+                                          <p:val>
+                                            <p:strVal val="#ppt_y"/>
+                                          </p:val>
+                                        </p:tav>
+                                      </p:tavLst>
+                                    </p:anim>
+                                  </p:childTnLst>
+                                </p:cTn>
+                              </p:par>
+                            </p:childTnLst>
+                          </p:cTn>
+                        </p:par>
+                      </p:childTnLst>
+                    </p:cTn>
+                  </p:par>
+                </p:childTnLst>
+              </p:cTn>
+              <p:prevCondLst>
+                <p:cond evt="onPrev" delay="0">
+                  <p:tgtEl>
+                    <p:sldTgt/>
+                  </p:tgtEl>
+                </p:cond>
+              </p:prevCondLst>
+              <p:nextCondLst>
+                <p:cond evt="onNext" delay="0">
+                  <p:tgtEl>
+                    <p:sldTgt/>
+                  </p:tgtEl>
+                </p:cond>
+              </p:nextCondLst>
+            </p:seq>
+          </p:childTnLst>
+        </p:cTn>
+      </p:par>
+    </p:tnLst>
+    <p:bldLst>
+      <p:bldP spid="373" grpId="0"/>
+    </p:bldLst>
+  </p:timing>
 </p:sld>
 </file>
 
 <file path=ppt/slides/slide10.xml><?xml version="1.0" encoding="utf-8"?>
+<p:sld xmlns:a="http://schemas.openxmlformats.org/drawingml/2006/main" xmlns:r="http://schemas.openxmlformats.org/officeDocument/2006/relationships" xmlns:p="http://schemas.openxmlformats.org/presentationml/2006/main">
+  <p:cSld>
+    <p:spTree>
+      <p:nvGrpSpPr>
+        <p:cNvPr id="1" name="Shape 406"/>
+        <p:cNvGrpSpPr/>
+        <p:nvPr/>
+      </p:nvGrpSpPr>
+      <p:grpSpPr>
+        <a:xfrm>
+          <a:off x="0" y="0"/>
+          <a:ext cx="0" cy="0"/>
+          <a:chOff x="0" y="0"/>
+          <a:chExt cx="0" cy="0"/>
+        </a:xfrm>
+      </p:grpSpPr>
+      <p:sp>
+        <p:nvSpPr>
+          <p:cNvPr id="407" name="Google Shape;407;p18"/>
+          <p:cNvSpPr txBox="1">
+            <a:spLocks noGrp="1"/>
+          </p:cNvSpPr>
+          <p:nvPr>
+            <p:ph type="title"/>
+          </p:nvPr>
+        </p:nvSpPr>
+        <p:spPr>
+          <a:xfrm>
+            <a:off x="1645920" y="822925"/>
+            <a:ext cx="6475200" cy="830615"/>
+          </a:xfrm>
+          <a:prstGeom prst="rect">
+            <a:avLst/>
+          </a:prstGeom>
+        </p:spPr>
+        <p:txBody>
+          <a:bodyPr spcFirstLastPara="1" wrap="square" lIns="0" tIns="0" rIns="0" bIns="0" anchor="b" anchorCtr="0">
+            <a:noAutofit/>
+          </a:bodyPr>
+          <a:lstStyle/>
+          <a:p>
+            <a:pPr marL="0" lvl="0" indent="0" algn="l" rtl="0">
+              <a:spcBef>
+                <a:spcPts val="0"/>
+              </a:spcBef>
+              <a:spcAft>
+                <a:spcPts val="0"/>
+              </a:spcAft>
+              <a:buNone/>
+            </a:pPr>
+            <a:r>
+              <a:rPr lang="en-IN" sz="6000" dirty="0">
+                <a:solidFill>
+                  <a:schemeClr val="accent1"/>
+                </a:solidFill>
+              </a:rPr>
+              <a:t>Future Scope</a:t>
+            </a:r>
+            <a:endParaRPr sz="6000" dirty="0">
+              <a:solidFill>
+                <a:schemeClr val="accent1"/>
+              </a:solidFill>
+            </a:endParaRPr>
+          </a:p>
+        </p:txBody>
+      </p:sp>
+      <p:sp>
+        <p:nvSpPr>
+          <p:cNvPr id="408" name="Google Shape;408;p18"/>
+          <p:cNvSpPr txBox="1">
+            <a:spLocks noGrp="1"/>
+          </p:cNvSpPr>
+          <p:nvPr>
+            <p:ph type="body" idx="1"/>
+          </p:nvPr>
+        </p:nvSpPr>
+        <p:spPr>
+          <a:xfrm>
+            <a:off x="1540140" y="1653540"/>
+            <a:ext cx="6369420" cy="2499360"/>
+          </a:xfrm>
+          <a:prstGeom prst="rect">
+            <a:avLst/>
+          </a:prstGeom>
+        </p:spPr>
+        <p:txBody>
+          <a:bodyPr spcFirstLastPara="1" wrap="square" lIns="0" tIns="0" rIns="0" bIns="0" anchor="t" anchorCtr="0">
+            <a:noAutofit/>
+          </a:bodyPr>
+          <a:lstStyle/>
+          <a:p>
+            <a:pPr marL="457200" lvl="0" indent="-381000" algn="l" rtl="0">
+              <a:spcBef>
+                <a:spcPts val="0"/>
+              </a:spcBef>
+              <a:spcAft>
+                <a:spcPts val="0"/>
+              </a:spcAft>
+              <a:buSzPts val="2400"/>
+              <a:buChar char="⩥"/>
+            </a:pPr>
+            <a:r>
+              <a:rPr lang="en" dirty="0"/>
+              <a:t>Now a day </a:t>
+            </a:r>
+            <a:r>
+              <a:rPr lang="en-IN" dirty="0"/>
+              <a:t>most of the websites and even applications uses this reverse geocoding techniques like Amazon, Flipkart , Google Maps, Zomato , Swiggy , Uber, Ola etc. to know the exact location of the user and send their product to that location.</a:t>
+            </a:r>
+          </a:p>
+        </p:txBody>
+      </p:sp>
+      <p:sp>
+        <p:nvSpPr>
+          <p:cNvPr id="409" name="Google Shape;409;p18"/>
+          <p:cNvSpPr txBox="1">
+            <a:spLocks noGrp="1"/>
+          </p:cNvSpPr>
+          <p:nvPr>
+            <p:ph type="sldNum" idx="12"/>
+          </p:nvPr>
+        </p:nvSpPr>
+        <p:spPr>
+          <a:xfrm>
+            <a:off x="8552377" y="4673650"/>
+            <a:ext cx="400800" cy="393600"/>
+          </a:xfrm>
+          <a:prstGeom prst="rect">
+            <a:avLst/>
+          </a:prstGeom>
+        </p:spPr>
+        <p:txBody>
+          <a:bodyPr spcFirstLastPara="1" wrap="square" lIns="0" tIns="0" rIns="0" bIns="0" anchor="ctr" anchorCtr="0">
+            <a:noAutofit/>
+          </a:bodyPr>
+          <a:lstStyle/>
+          <a:p>
+            <a:pPr marL="0" lvl="0" indent="0" algn="r" rtl="0">
+              <a:spcBef>
+                <a:spcPts val="0"/>
+              </a:spcBef>
+              <a:spcAft>
+                <a:spcPts val="0"/>
+              </a:spcAft>
+              <a:buNone/>
+            </a:pPr>
+            <a:fld id="{00000000-1234-1234-1234-123412341234}" type="slidenum">
+              <a:rPr lang="en"/>
+              <a:t>10</a:t>
+            </a:fld>
+            <a:endParaRPr/>
+          </a:p>
+        </p:txBody>
+      </p:sp>
+    </p:spTree>
+    <p:extLst>
+      <p:ext uri="{BB962C8B-B14F-4D97-AF65-F5344CB8AC3E}">
+        <p14:creationId xmlns:p14="http://schemas.microsoft.com/office/powerpoint/2010/main" val="1973128953"/>
+      </p:ext>
+    </p:extLst>
+  </p:cSld>
+  <p:clrMapOvr>
+    <a:masterClrMapping/>
+  </p:clrMapOvr>
+  <p:timing>
+    <p:tnLst>
+      <p:par>
+        <p:cTn id="1" dur="indefinite" restart="never" nodeType="tmRoot">
+          <p:childTnLst>
+            <p:seq concurrent="1" nextAc="seek">
+              <p:cTn id="2" dur="indefinite" nodeType="mainSeq">
+                <p:childTnLst>
+                  <p:par>
+                    <p:cTn id="3" fill="hold">
+                      <p:stCondLst>
+                        <p:cond delay="indefinite"/>
+                        <p:cond evt="onBegin" delay="0">
+                          <p:tn val="2"/>
+                        </p:cond>
+                      </p:stCondLst>
+                      <p:childTnLst>
+                        <p:par>
+                          <p:cTn id="4" fill="hold">
+                            <p:stCondLst>
+                              <p:cond delay="0"/>
+                            </p:stCondLst>
+                            <p:childTnLst>
+                              <p:par>
+                                <p:cTn id="5" presetID="47" presetClass="entr" presetSubtype="0" fill="hold" grpId="0" nodeType="withEffect">
+                                  <p:stCondLst>
+                                    <p:cond delay="0"/>
+                                  </p:stCondLst>
+                                  <p:childTnLst>
+                                    <p:set>
+                                      <p:cBhvr>
+                                        <p:cTn id="6" dur="1" fill="hold">
+                                          <p:stCondLst>
+                                            <p:cond delay="0"/>
+                                          </p:stCondLst>
+                                        </p:cTn>
+                                        <p:tgtEl>
+                                          <p:spTgt spid="408">
+                                            <p:txEl>
+                                              <p:pRg st="0" end="0"/>
+                                            </p:txEl>
+                                          </p:spTgt>
+                                        </p:tgtEl>
+                                        <p:attrNameLst>
+                                          <p:attrName>style.visibility</p:attrName>
+                                        </p:attrNameLst>
+                                      </p:cBhvr>
+                                      <p:to>
+                                        <p:strVal val="visible"/>
+                                      </p:to>
+                                    </p:set>
+                                    <p:animEffect transition="in" filter="fade">
+                                      <p:cBhvr>
+                                        <p:cTn id="7" dur="1000"/>
+                                        <p:tgtEl>
+                                          <p:spTgt spid="408">
+                                            <p:txEl>
+                                              <p:pRg st="0" end="0"/>
+                                            </p:txEl>
+                                          </p:spTgt>
+                                        </p:tgtEl>
+                                      </p:cBhvr>
+                                    </p:animEffect>
+                                    <p:anim calcmode="lin" valueType="num">
+                                      <p:cBhvr>
+                                        <p:cTn id="8" dur="1000" fill="hold"/>
+                                        <p:tgtEl>
+                                          <p:spTgt spid="408">
+                                            <p:txEl>
+                                              <p:pRg st="0" end="0"/>
+                                            </p:txEl>
+                                          </p:spTgt>
+                                        </p:tgtEl>
+                                        <p:attrNameLst>
+                                          <p:attrName>ppt_x</p:attrName>
+                                        </p:attrNameLst>
+                                      </p:cBhvr>
+                                      <p:tavLst>
+                                        <p:tav tm="0">
+                                          <p:val>
+                                            <p:strVal val="#ppt_x"/>
+                                          </p:val>
+                                        </p:tav>
+                                        <p:tav tm="100000">
+                                          <p:val>
+                                            <p:strVal val="#ppt_x"/>
+                                          </p:val>
+                                        </p:tav>
+                                      </p:tavLst>
+                                    </p:anim>
+                                    <p:anim calcmode="lin" valueType="num">
+                                      <p:cBhvr>
+                                        <p:cTn id="9" dur="1000" fill="hold"/>
+                                        <p:tgtEl>
+                                          <p:spTgt spid="408">
+                                            <p:txEl>
+                                              <p:pRg st="0" end="0"/>
+                                            </p:txEl>
+                                          </p:spTgt>
+                                        </p:tgtEl>
+                                        <p:attrNameLst>
+                                          <p:attrName>ppt_y</p:attrName>
+                                        </p:attrNameLst>
+                                      </p:cBhvr>
+                                      <p:tavLst>
+                                        <p:tav tm="0">
+                                          <p:val>
+                                            <p:strVal val="#ppt_y-.1"/>
+                                          </p:val>
+                                        </p:tav>
+                                        <p:tav tm="100000">
+                                          <p:val>
+                                            <p:strVal val="#ppt_y"/>
+                                          </p:val>
+                                        </p:tav>
+                                      </p:tavLst>
+                                    </p:anim>
+                                  </p:childTnLst>
+                                </p:cTn>
+                              </p:par>
+                            </p:childTnLst>
+                          </p:cTn>
+                        </p:par>
+                      </p:childTnLst>
+                    </p:cTn>
+                  </p:par>
+                </p:childTnLst>
+              </p:cTn>
+              <p:prevCondLst>
+                <p:cond evt="onPrev" delay="0">
+                  <p:tgtEl>
+                    <p:sldTgt/>
+                  </p:tgtEl>
+                </p:cond>
+              </p:prevCondLst>
+              <p:nextCondLst>
+                <p:cond evt="onNext" delay="0">
+                  <p:tgtEl>
+                    <p:sldTgt/>
+                  </p:tgtEl>
+                </p:cond>
+              </p:nextCondLst>
+            </p:seq>
+          </p:childTnLst>
+        </p:cTn>
+      </p:par>
+    </p:tnLst>
+    <p:bldLst>
+      <p:bldP spid="408" grpId="0" build="p"/>
+    </p:bldLst>
+  </p:timing>
+</p:sld>
+</file>
+
+<file path=ppt/slides/slide11.xml><?xml version="1.0" encoding="utf-8"?>
 <p:sld xmlns:a="http://schemas.openxmlformats.org/drawingml/2006/main" xmlns:r="http://schemas.openxmlformats.org/officeDocument/2006/relationships" xmlns:p="http://schemas.openxmlformats.org/presentationml/2006/main">
   <p:cSld>
     <p:spTree>
@@ -10403,7 +10938,7 @@
             </a:pPr>
             <a:fld id="{00000000-1234-1234-1234-123412341234}" type="slidenum">
               <a:rPr lang="en"/>
-              <a:t>10</a:t>
+              <a:t>11</a:t>
             </a:fld>
             <a:endParaRPr/>
           </a:p>
@@ -10419,10 +10954,161 @@
   <p:clrMapOvr>
     <a:masterClrMapping/>
   </p:clrMapOvr>
+  <p:timing>
+    <p:tnLst>
+      <p:par>
+        <p:cTn id="1" dur="indefinite" restart="never" nodeType="tmRoot">
+          <p:childTnLst>
+            <p:seq concurrent="1" nextAc="seek">
+              <p:cTn id="2" dur="indefinite" nodeType="mainSeq">
+                <p:childTnLst>
+                  <p:par>
+                    <p:cTn id="3" fill="hold">
+                      <p:stCondLst>
+                        <p:cond delay="indefinite"/>
+                        <p:cond evt="onBegin" delay="0">
+                          <p:tn val="2"/>
+                        </p:cond>
+                      </p:stCondLst>
+                      <p:childTnLst>
+                        <p:par>
+                          <p:cTn id="4" fill="hold">
+                            <p:stCondLst>
+                              <p:cond delay="0"/>
+                            </p:stCondLst>
+                            <p:childTnLst>
+                              <p:par>
+                                <p:cTn id="5" presetID="47" presetClass="entr" presetSubtype="0" fill="hold" grpId="0" nodeType="withEffect">
+                                  <p:stCondLst>
+                                    <p:cond delay="0"/>
+                                  </p:stCondLst>
+                                  <p:childTnLst>
+                                    <p:set>
+                                      <p:cBhvr>
+                                        <p:cTn id="6" dur="1" fill="hold">
+                                          <p:stCondLst>
+                                            <p:cond delay="0"/>
+                                          </p:stCondLst>
+                                        </p:cTn>
+                                        <p:tgtEl>
+                                          <p:spTgt spid="408">
+                                            <p:txEl>
+                                              <p:pRg st="0" end="0"/>
+                                            </p:txEl>
+                                          </p:spTgt>
+                                        </p:tgtEl>
+                                        <p:attrNameLst>
+                                          <p:attrName>style.visibility</p:attrName>
+                                        </p:attrNameLst>
+                                      </p:cBhvr>
+                                      <p:to>
+                                        <p:strVal val="visible"/>
+                                      </p:to>
+                                    </p:set>
+                                    <p:animEffect transition="in" filter="fade">
+                                      <p:cBhvr>
+                                        <p:cTn id="7" dur="1000"/>
+                                        <p:tgtEl>
+                                          <p:spTgt spid="408">
+                                            <p:txEl>
+                                              <p:pRg st="0" end="0"/>
+                                            </p:txEl>
+                                          </p:spTgt>
+                                        </p:tgtEl>
+                                      </p:cBhvr>
+                                    </p:animEffect>
+                                    <p:anim calcmode="lin" valueType="num">
+                                      <p:cBhvr>
+                                        <p:cTn id="8" dur="1000" fill="hold"/>
+                                        <p:tgtEl>
+                                          <p:spTgt spid="408">
+                                            <p:txEl>
+                                              <p:pRg st="0" end="0"/>
+                                            </p:txEl>
+                                          </p:spTgt>
+                                        </p:tgtEl>
+                                        <p:attrNameLst>
+                                          <p:attrName>ppt_x</p:attrName>
+                                        </p:attrNameLst>
+                                      </p:cBhvr>
+                                      <p:tavLst>
+                                        <p:tav tm="0">
+                                          <p:val>
+                                            <p:strVal val="#ppt_x"/>
+                                          </p:val>
+                                        </p:tav>
+                                        <p:tav tm="100000">
+                                          <p:val>
+                                            <p:strVal val="#ppt_x"/>
+                                          </p:val>
+                                        </p:tav>
+                                      </p:tavLst>
+                                    </p:anim>
+                                    <p:anim calcmode="lin" valueType="num">
+                                      <p:cBhvr>
+                                        <p:cTn id="9" dur="1000" fill="hold"/>
+                                        <p:tgtEl>
+                                          <p:spTgt spid="408">
+                                            <p:txEl>
+                                              <p:pRg st="0" end="0"/>
+                                            </p:txEl>
+                                          </p:spTgt>
+                                        </p:tgtEl>
+                                        <p:attrNameLst>
+                                          <p:attrName>ppt_y</p:attrName>
+                                        </p:attrNameLst>
+                                      </p:cBhvr>
+                                      <p:tavLst>
+                                        <p:tav tm="0">
+                                          <p:val>
+                                            <p:strVal val="#ppt_y-.1"/>
+                                          </p:val>
+                                        </p:tav>
+                                        <p:tav tm="100000">
+                                          <p:val>
+                                            <p:strVal val="#ppt_y"/>
+                                          </p:val>
+                                        </p:tav>
+                                      </p:tavLst>
+                                    </p:anim>
+                                  </p:childTnLst>
+                                </p:cTn>
+                              </p:par>
+                            </p:childTnLst>
+                          </p:cTn>
+                        </p:par>
+                      </p:childTnLst>
+                    </p:cTn>
+                  </p:par>
+                </p:childTnLst>
+              </p:cTn>
+              <p:prevCondLst>
+                <p:cond evt="onPrev" delay="0">
+                  <p:tgtEl>
+                    <p:sldTgt/>
+                  </p:tgtEl>
+                </p:cond>
+              </p:prevCondLst>
+              <p:nextCondLst>
+                <p:cond evt="onNext" delay="0">
+                  <p:tgtEl>
+                    <p:sldTgt/>
+                  </p:tgtEl>
+                </p:cond>
+              </p:nextCondLst>
+            </p:seq>
+          </p:childTnLst>
+        </p:cTn>
+      </p:par>
+    </p:tnLst>
+    <p:bldLst>
+      <p:bldP spid="408" grpId="0" build="p"/>
+    </p:bldLst>
+  </p:timing>
 </p:sld>
 </file>
 
-<file path=ppt/slides/slide11.xml><?xml version="1.0" encoding="utf-8"?>
+<file path=ppt/slides/slide12.xml><?xml version="1.0" encoding="utf-8"?>
 <p:sld xmlns:a="http://schemas.openxmlformats.org/drawingml/2006/main" xmlns:r="http://schemas.openxmlformats.org/officeDocument/2006/relationships" xmlns:p="http://schemas.openxmlformats.org/presentationml/2006/main">
   <p:cSld>
     <p:spTree>
@@ -10451,8 +11137,8 @@
         </p:nvSpPr>
         <p:spPr>
           <a:xfrm>
-            <a:off x="1410650" y="644434"/>
-            <a:ext cx="6475200" cy="830615"/>
+            <a:off x="1543050" y="644434"/>
+            <a:ext cx="6342799" cy="830615"/>
           </a:xfrm>
           <a:prstGeom prst="rect">
             <a:avLst/>
@@ -10501,8 +11187,8 @@
         </p:nvSpPr>
         <p:spPr>
           <a:xfrm>
-            <a:off x="1334400" y="1475049"/>
-            <a:ext cx="6475200" cy="2833800"/>
+            <a:off x="1470131" y="1475049"/>
+            <a:ext cx="6680888" cy="2833800"/>
           </a:xfrm>
           <a:prstGeom prst="rect">
             <a:avLst/>
@@ -10523,7 +11209,7 @@
             </a:r>
             <a:r>
               <a:rPr lang="en-IN" dirty="0"/>
-              <a:t>  [ Used for Conversion API]</a:t>
+              <a:t>   [ Used for Conversion API]</a:t>
             </a:r>
             <a:endParaRPr dirty="0"/>
           </a:p>
@@ -10551,8 +11237,14 @@
               </a:spcBef>
             </a:pPr>
             <a:r>
+              <a:rPr lang="en-IN" dirty="0">
+                <a:hlinkClick r:id="rId5"/>
+              </a:rPr>
+              <a:t>https://github.com/Abhisheknayak-programer/Reverse-Geocoding</a:t>
+            </a:r>
+            <a:r>
               <a:rPr lang="en-IN" dirty="0"/>
-              <a:t>[Project Source Code Link]</a:t>
+              <a:t>  [Project Source Code Link]</a:t>
             </a:r>
           </a:p>
           <a:p>
@@ -10562,8 +11254,14 @@
               </a:spcBef>
             </a:pPr>
             <a:r>
+              <a:rPr lang="en-IN" dirty="0">
+                <a:hlinkClick r:id="rId6"/>
+              </a:rPr>
+              <a:t>https://abhishek-abit.netlify.app/</a:t>
+            </a:r>
+            <a:r>
               <a:rPr lang="en-IN" dirty="0"/>
-              <a:t>[See Live Project]</a:t>
+              <a:t>  [See Live Project]</a:t>
             </a:r>
             <a:endParaRPr dirty="0"/>
           </a:p>
@@ -10605,7 +11303,7 @@
             </a:pPr>
             <a:fld id="{00000000-1234-1234-1234-123412341234}" type="slidenum">
               <a:rPr lang="en"/>
-              <a:t>11</a:t>
+              <a:t>12</a:t>
             </a:fld>
             <a:endParaRPr/>
           </a:p>
@@ -10621,10 +11319,452 @@
   <p:clrMapOvr>
     <a:masterClrMapping/>
   </p:clrMapOvr>
+  <p:timing>
+    <p:tnLst>
+      <p:par>
+        <p:cTn id="1" dur="indefinite" restart="never" nodeType="tmRoot">
+          <p:childTnLst>
+            <p:seq concurrent="1" nextAc="seek">
+              <p:cTn id="2" dur="indefinite" nodeType="mainSeq">
+                <p:childTnLst>
+                  <p:par>
+                    <p:cTn id="3" fill="hold">
+                      <p:stCondLst>
+                        <p:cond delay="indefinite"/>
+                        <p:cond evt="onBegin" delay="0">
+                          <p:tn val="2"/>
+                        </p:cond>
+                      </p:stCondLst>
+                      <p:childTnLst>
+                        <p:par>
+                          <p:cTn id="4" fill="hold">
+                            <p:stCondLst>
+                              <p:cond delay="0"/>
+                            </p:stCondLst>
+                            <p:childTnLst>
+                              <p:par>
+                                <p:cTn id="5" presetID="47" presetClass="entr" presetSubtype="0" fill="hold" grpId="0" nodeType="withEffect">
+                                  <p:stCondLst>
+                                    <p:cond delay="0"/>
+                                  </p:stCondLst>
+                                  <p:childTnLst>
+                                    <p:set>
+                                      <p:cBhvr>
+                                        <p:cTn id="6" dur="1" fill="hold">
+                                          <p:stCondLst>
+                                            <p:cond delay="0"/>
+                                          </p:stCondLst>
+                                        </p:cTn>
+                                        <p:tgtEl>
+                                          <p:spTgt spid="408">
+                                            <p:txEl>
+                                              <p:pRg st="0" end="0"/>
+                                            </p:txEl>
+                                          </p:spTgt>
+                                        </p:tgtEl>
+                                        <p:attrNameLst>
+                                          <p:attrName>style.visibility</p:attrName>
+                                        </p:attrNameLst>
+                                      </p:cBhvr>
+                                      <p:to>
+                                        <p:strVal val="visible"/>
+                                      </p:to>
+                                    </p:set>
+                                    <p:animEffect transition="in" filter="fade">
+                                      <p:cBhvr>
+                                        <p:cTn id="7" dur="1000"/>
+                                        <p:tgtEl>
+                                          <p:spTgt spid="408">
+                                            <p:txEl>
+                                              <p:pRg st="0" end="0"/>
+                                            </p:txEl>
+                                          </p:spTgt>
+                                        </p:tgtEl>
+                                      </p:cBhvr>
+                                    </p:animEffect>
+                                    <p:anim calcmode="lin" valueType="num">
+                                      <p:cBhvr>
+                                        <p:cTn id="8" dur="1000" fill="hold"/>
+                                        <p:tgtEl>
+                                          <p:spTgt spid="408">
+                                            <p:txEl>
+                                              <p:pRg st="0" end="0"/>
+                                            </p:txEl>
+                                          </p:spTgt>
+                                        </p:tgtEl>
+                                        <p:attrNameLst>
+                                          <p:attrName>ppt_x</p:attrName>
+                                        </p:attrNameLst>
+                                      </p:cBhvr>
+                                      <p:tavLst>
+                                        <p:tav tm="0">
+                                          <p:val>
+                                            <p:strVal val="#ppt_x"/>
+                                          </p:val>
+                                        </p:tav>
+                                        <p:tav tm="100000">
+                                          <p:val>
+                                            <p:strVal val="#ppt_x"/>
+                                          </p:val>
+                                        </p:tav>
+                                      </p:tavLst>
+                                    </p:anim>
+                                    <p:anim calcmode="lin" valueType="num">
+                                      <p:cBhvr>
+                                        <p:cTn id="9" dur="1000" fill="hold"/>
+                                        <p:tgtEl>
+                                          <p:spTgt spid="408">
+                                            <p:txEl>
+                                              <p:pRg st="0" end="0"/>
+                                            </p:txEl>
+                                          </p:spTgt>
+                                        </p:tgtEl>
+                                        <p:attrNameLst>
+                                          <p:attrName>ppt_y</p:attrName>
+                                        </p:attrNameLst>
+                                      </p:cBhvr>
+                                      <p:tavLst>
+                                        <p:tav tm="0">
+                                          <p:val>
+                                            <p:strVal val="#ppt_y-.1"/>
+                                          </p:val>
+                                        </p:tav>
+                                        <p:tav tm="100000">
+                                          <p:val>
+                                            <p:strVal val="#ppt_y"/>
+                                          </p:val>
+                                        </p:tav>
+                                      </p:tavLst>
+                                    </p:anim>
+                                  </p:childTnLst>
+                                </p:cTn>
+                              </p:par>
+                              <p:par>
+                                <p:cTn id="10" presetID="47" presetClass="entr" presetSubtype="0" fill="hold" grpId="0" nodeType="withEffect">
+                                  <p:stCondLst>
+                                    <p:cond delay="0"/>
+                                  </p:stCondLst>
+                                  <p:childTnLst>
+                                    <p:set>
+                                      <p:cBhvr>
+                                        <p:cTn id="11" dur="1" fill="hold">
+                                          <p:stCondLst>
+                                            <p:cond delay="0"/>
+                                          </p:stCondLst>
+                                        </p:cTn>
+                                        <p:tgtEl>
+                                          <p:spTgt spid="408">
+                                            <p:txEl>
+                                              <p:pRg st="1" end="1"/>
+                                            </p:txEl>
+                                          </p:spTgt>
+                                        </p:tgtEl>
+                                        <p:attrNameLst>
+                                          <p:attrName>style.visibility</p:attrName>
+                                        </p:attrNameLst>
+                                      </p:cBhvr>
+                                      <p:to>
+                                        <p:strVal val="visible"/>
+                                      </p:to>
+                                    </p:set>
+                                    <p:animEffect transition="in" filter="fade">
+                                      <p:cBhvr>
+                                        <p:cTn id="12" dur="1000"/>
+                                        <p:tgtEl>
+                                          <p:spTgt spid="408">
+                                            <p:txEl>
+                                              <p:pRg st="1" end="1"/>
+                                            </p:txEl>
+                                          </p:spTgt>
+                                        </p:tgtEl>
+                                      </p:cBhvr>
+                                    </p:animEffect>
+                                    <p:anim calcmode="lin" valueType="num">
+                                      <p:cBhvr>
+                                        <p:cTn id="13" dur="1000" fill="hold"/>
+                                        <p:tgtEl>
+                                          <p:spTgt spid="408">
+                                            <p:txEl>
+                                              <p:pRg st="1" end="1"/>
+                                            </p:txEl>
+                                          </p:spTgt>
+                                        </p:tgtEl>
+                                        <p:attrNameLst>
+                                          <p:attrName>ppt_x</p:attrName>
+                                        </p:attrNameLst>
+                                      </p:cBhvr>
+                                      <p:tavLst>
+                                        <p:tav tm="0">
+                                          <p:val>
+                                            <p:strVal val="#ppt_x"/>
+                                          </p:val>
+                                        </p:tav>
+                                        <p:tav tm="100000">
+                                          <p:val>
+                                            <p:strVal val="#ppt_x"/>
+                                          </p:val>
+                                        </p:tav>
+                                      </p:tavLst>
+                                    </p:anim>
+                                    <p:anim calcmode="lin" valueType="num">
+                                      <p:cBhvr>
+                                        <p:cTn id="14" dur="1000" fill="hold"/>
+                                        <p:tgtEl>
+                                          <p:spTgt spid="408">
+                                            <p:txEl>
+                                              <p:pRg st="1" end="1"/>
+                                            </p:txEl>
+                                          </p:spTgt>
+                                        </p:tgtEl>
+                                        <p:attrNameLst>
+                                          <p:attrName>ppt_y</p:attrName>
+                                        </p:attrNameLst>
+                                      </p:cBhvr>
+                                      <p:tavLst>
+                                        <p:tav tm="0">
+                                          <p:val>
+                                            <p:strVal val="#ppt_y-.1"/>
+                                          </p:val>
+                                        </p:tav>
+                                        <p:tav tm="100000">
+                                          <p:val>
+                                            <p:strVal val="#ppt_y"/>
+                                          </p:val>
+                                        </p:tav>
+                                      </p:tavLst>
+                                    </p:anim>
+                                  </p:childTnLst>
+                                </p:cTn>
+                              </p:par>
+                              <p:par>
+                                <p:cTn id="15" presetID="47" presetClass="entr" presetSubtype="0" fill="hold" grpId="0" nodeType="withEffect">
+                                  <p:stCondLst>
+                                    <p:cond delay="0"/>
+                                  </p:stCondLst>
+                                  <p:childTnLst>
+                                    <p:set>
+                                      <p:cBhvr>
+                                        <p:cTn id="16" dur="1" fill="hold">
+                                          <p:stCondLst>
+                                            <p:cond delay="0"/>
+                                          </p:stCondLst>
+                                        </p:cTn>
+                                        <p:tgtEl>
+                                          <p:spTgt spid="408">
+                                            <p:txEl>
+                                              <p:pRg st="2" end="2"/>
+                                            </p:txEl>
+                                          </p:spTgt>
+                                        </p:tgtEl>
+                                        <p:attrNameLst>
+                                          <p:attrName>style.visibility</p:attrName>
+                                        </p:attrNameLst>
+                                      </p:cBhvr>
+                                      <p:to>
+                                        <p:strVal val="visible"/>
+                                      </p:to>
+                                    </p:set>
+                                    <p:animEffect transition="in" filter="fade">
+                                      <p:cBhvr>
+                                        <p:cTn id="17" dur="1000"/>
+                                        <p:tgtEl>
+                                          <p:spTgt spid="408">
+                                            <p:txEl>
+                                              <p:pRg st="2" end="2"/>
+                                            </p:txEl>
+                                          </p:spTgt>
+                                        </p:tgtEl>
+                                      </p:cBhvr>
+                                    </p:animEffect>
+                                    <p:anim calcmode="lin" valueType="num">
+                                      <p:cBhvr>
+                                        <p:cTn id="18" dur="1000" fill="hold"/>
+                                        <p:tgtEl>
+                                          <p:spTgt spid="408">
+                                            <p:txEl>
+                                              <p:pRg st="2" end="2"/>
+                                            </p:txEl>
+                                          </p:spTgt>
+                                        </p:tgtEl>
+                                        <p:attrNameLst>
+                                          <p:attrName>ppt_x</p:attrName>
+                                        </p:attrNameLst>
+                                      </p:cBhvr>
+                                      <p:tavLst>
+                                        <p:tav tm="0">
+                                          <p:val>
+                                            <p:strVal val="#ppt_x"/>
+                                          </p:val>
+                                        </p:tav>
+                                        <p:tav tm="100000">
+                                          <p:val>
+                                            <p:strVal val="#ppt_x"/>
+                                          </p:val>
+                                        </p:tav>
+                                      </p:tavLst>
+                                    </p:anim>
+                                    <p:anim calcmode="lin" valueType="num">
+                                      <p:cBhvr>
+                                        <p:cTn id="19" dur="1000" fill="hold"/>
+                                        <p:tgtEl>
+                                          <p:spTgt spid="408">
+                                            <p:txEl>
+                                              <p:pRg st="2" end="2"/>
+                                            </p:txEl>
+                                          </p:spTgt>
+                                        </p:tgtEl>
+                                        <p:attrNameLst>
+                                          <p:attrName>ppt_y</p:attrName>
+                                        </p:attrNameLst>
+                                      </p:cBhvr>
+                                      <p:tavLst>
+                                        <p:tav tm="0">
+                                          <p:val>
+                                            <p:strVal val="#ppt_y-.1"/>
+                                          </p:val>
+                                        </p:tav>
+                                        <p:tav tm="100000">
+                                          <p:val>
+                                            <p:strVal val="#ppt_y"/>
+                                          </p:val>
+                                        </p:tav>
+                                      </p:tavLst>
+                                    </p:anim>
+                                  </p:childTnLst>
+                                </p:cTn>
+                              </p:par>
+                              <p:par>
+                                <p:cTn id="20" presetID="47" presetClass="entr" presetSubtype="0" fill="hold" grpId="0" nodeType="withEffect">
+                                  <p:stCondLst>
+                                    <p:cond delay="0"/>
+                                  </p:stCondLst>
+                                  <p:childTnLst>
+                                    <p:set>
+                                      <p:cBhvr>
+                                        <p:cTn id="21" dur="1" fill="hold">
+                                          <p:stCondLst>
+                                            <p:cond delay="0"/>
+                                          </p:stCondLst>
+                                        </p:cTn>
+                                        <p:tgtEl>
+                                          <p:spTgt spid="408">
+                                            <p:txEl>
+                                              <p:pRg st="3" end="3"/>
+                                            </p:txEl>
+                                          </p:spTgt>
+                                        </p:tgtEl>
+                                        <p:attrNameLst>
+                                          <p:attrName>style.visibility</p:attrName>
+                                        </p:attrNameLst>
+                                      </p:cBhvr>
+                                      <p:to>
+                                        <p:strVal val="visible"/>
+                                      </p:to>
+                                    </p:set>
+                                    <p:animEffect transition="in" filter="fade">
+                                      <p:cBhvr>
+                                        <p:cTn id="22" dur="1000"/>
+                                        <p:tgtEl>
+                                          <p:spTgt spid="408">
+                                            <p:txEl>
+                                              <p:pRg st="3" end="3"/>
+                                            </p:txEl>
+                                          </p:spTgt>
+                                        </p:tgtEl>
+                                      </p:cBhvr>
+                                    </p:animEffect>
+                                    <p:anim calcmode="lin" valueType="num">
+                                      <p:cBhvr>
+                                        <p:cTn id="23" dur="1000" fill="hold"/>
+                                        <p:tgtEl>
+                                          <p:spTgt spid="408">
+                                            <p:txEl>
+                                              <p:pRg st="3" end="3"/>
+                                            </p:txEl>
+                                          </p:spTgt>
+                                        </p:tgtEl>
+                                        <p:attrNameLst>
+                                          <p:attrName>ppt_x</p:attrName>
+                                        </p:attrNameLst>
+                                      </p:cBhvr>
+                                      <p:tavLst>
+                                        <p:tav tm="0">
+                                          <p:val>
+                                            <p:strVal val="#ppt_x"/>
+                                          </p:val>
+                                        </p:tav>
+                                        <p:tav tm="100000">
+                                          <p:val>
+                                            <p:strVal val="#ppt_x"/>
+                                          </p:val>
+                                        </p:tav>
+                                      </p:tavLst>
+                                    </p:anim>
+                                    <p:anim calcmode="lin" valueType="num">
+                                      <p:cBhvr>
+                                        <p:cTn id="24" dur="1000" fill="hold"/>
+                                        <p:tgtEl>
+                                          <p:spTgt spid="408">
+                                            <p:txEl>
+                                              <p:pRg st="3" end="3"/>
+                                            </p:txEl>
+                                          </p:spTgt>
+                                        </p:tgtEl>
+                                        <p:attrNameLst>
+                                          <p:attrName>ppt_y</p:attrName>
+                                        </p:attrNameLst>
+                                      </p:cBhvr>
+                                      <p:tavLst>
+                                        <p:tav tm="0">
+                                          <p:val>
+                                            <p:strVal val="#ppt_y-.1"/>
+                                          </p:val>
+                                        </p:tav>
+                                        <p:tav tm="100000">
+                                          <p:val>
+                                            <p:strVal val="#ppt_y"/>
+                                          </p:val>
+                                        </p:tav>
+                                      </p:tavLst>
+                                    </p:anim>
+                                  </p:childTnLst>
+                                </p:cTn>
+                              </p:par>
+                            </p:childTnLst>
+                          </p:cTn>
+                        </p:par>
+                      </p:childTnLst>
+                    </p:cTn>
+                  </p:par>
+                </p:childTnLst>
+              </p:cTn>
+              <p:prevCondLst>
+                <p:cond evt="onPrev" delay="0">
+                  <p:tgtEl>
+                    <p:sldTgt/>
+                  </p:tgtEl>
+                </p:cond>
+              </p:prevCondLst>
+              <p:nextCondLst>
+                <p:cond evt="onNext" delay="0">
+                  <p:tgtEl>
+                    <p:sldTgt/>
+                  </p:tgtEl>
+                </p:cond>
+              </p:nextCondLst>
+            </p:seq>
+          </p:childTnLst>
+        </p:cTn>
+      </p:par>
+    </p:tnLst>
+    <p:bldLst>
+      <p:bldP spid="408" grpId="0" build="p"/>
+    </p:bldLst>
+  </p:timing>
 </p:sld>
 </file>
 
-<file path=ppt/slides/slide12.xml><?xml version="1.0" encoding="utf-8"?>
+<file path=ppt/slides/slide13.xml><?xml version="1.0" encoding="utf-8"?>
 <p:sld xmlns:a="http://schemas.openxmlformats.org/drawingml/2006/main" xmlns:r="http://schemas.openxmlformats.org/officeDocument/2006/relationships" xmlns:p="http://schemas.openxmlformats.org/presentationml/2006/main">
   <p:cSld>
     <p:spTree>
@@ -10653,8 +11793,8 @@
         </p:nvSpPr>
         <p:spPr>
           <a:xfrm>
-            <a:off x="1735617" y="1949083"/>
-            <a:ext cx="5672766" cy="1245334"/>
+            <a:off x="608371" y="1629697"/>
+            <a:ext cx="7691284" cy="1096910"/>
           </a:xfrm>
           <a:prstGeom prst="rect">
             <a:avLst/>
@@ -10673,7 +11813,7 @@
           </a:bodyPr>
           <a:lstStyle/>
           <a:p>
-            <a:pPr marL="0" lvl="0" indent="0" algn="l" rtl="0">
+            <a:pPr marL="0" lvl="0" indent="0" algn="ctr" rtl="0">
               <a:lnSpc>
                 <a:spcPct val="70000"/>
               </a:lnSpc>
@@ -10686,10 +11826,10 @@
               <a:buNone/>
             </a:pPr>
             <a:r>
-              <a:rPr lang="en" sz="9600" dirty="0"/>
+              <a:rPr lang="en" sz="8000" dirty="0"/>
               <a:t>Thank You!</a:t>
             </a:r>
-            <a:endParaRPr sz="9600" dirty="0"/>
+            <a:endParaRPr sz="8000" dirty="0"/>
           </a:p>
         </p:txBody>
       </p:sp>
@@ -10729,7 +11869,7 @@
             </a:pPr>
             <a:fld id="{00000000-1234-1234-1234-123412341234}" type="slidenum">
               <a:rPr lang="en"/>
-              <a:t>12</a:t>
+              <a:t>13</a:t>
             </a:fld>
             <a:endParaRPr/>
           </a:p>
@@ -10740,6 +11880,338 @@
   <p:clrMapOvr>
     <a:masterClrMapping/>
   </p:clrMapOvr>
+  <p:timing>
+    <p:tnLst>
+      <p:par>
+        <p:cTn id="1" dur="indefinite" restart="never" nodeType="tmRoot">
+          <p:childTnLst>
+            <p:seq concurrent="1" nextAc="seek">
+              <p:cTn id="2" dur="indefinite" nodeType="mainSeq">
+                <p:childTnLst>
+                  <p:par>
+                    <p:cTn id="3" fill="hold">
+                      <p:stCondLst>
+                        <p:cond delay="indefinite"/>
+                        <p:cond evt="onBegin" delay="0">
+                          <p:tn val="2"/>
+                        </p:cond>
+                      </p:stCondLst>
+                      <p:childTnLst>
+                        <p:par>
+                          <p:cTn id="4" fill="hold">
+                            <p:stCondLst>
+                              <p:cond delay="0"/>
+                            </p:stCondLst>
+                            <p:childTnLst>
+                              <p:par>
+                                <p:cTn id="5" presetID="26" presetClass="entr" presetSubtype="0" fill="hold" grpId="0" nodeType="withEffect">
+                                  <p:stCondLst>
+                                    <p:cond delay="0"/>
+                                  </p:stCondLst>
+                                  <p:childTnLst>
+                                    <p:set>
+                                      <p:cBhvr>
+                                        <p:cTn id="6" dur="1" fill="hold">
+                                          <p:stCondLst>
+                                            <p:cond delay="0"/>
+                                          </p:stCondLst>
+                                        </p:cTn>
+                                        <p:tgtEl>
+                                          <p:spTgt spid="428"/>
+                                        </p:tgtEl>
+                                        <p:attrNameLst>
+                                          <p:attrName>style.visibility</p:attrName>
+                                        </p:attrNameLst>
+                                      </p:cBhvr>
+                                      <p:to>
+                                        <p:strVal val="visible"/>
+                                      </p:to>
+                                    </p:set>
+                                    <p:animEffect transition="in" filter="wipe(down)">
+                                      <p:cBhvr>
+                                        <p:cTn id="7" dur="580">
+                                          <p:stCondLst>
+                                            <p:cond delay="0"/>
+                                          </p:stCondLst>
+                                        </p:cTn>
+                                        <p:tgtEl>
+                                          <p:spTgt spid="428"/>
+                                        </p:tgtEl>
+                                      </p:cBhvr>
+                                    </p:animEffect>
+                                    <p:anim calcmode="lin" valueType="num">
+                                      <p:cBhvr>
+                                        <p:cTn id="8" dur="1822" tmFilter="0,0; 0.14,0.36; 0.43,0.73; 0.71,0.91; 1.0,1.0">
+                                          <p:stCondLst>
+                                            <p:cond delay="0"/>
+                                          </p:stCondLst>
+                                        </p:cTn>
+                                        <p:tgtEl>
+                                          <p:spTgt spid="428"/>
+                                        </p:tgtEl>
+                                        <p:attrNameLst>
+                                          <p:attrName>ppt_x</p:attrName>
+                                        </p:attrNameLst>
+                                      </p:cBhvr>
+                                      <p:tavLst>
+                                        <p:tav tm="0">
+                                          <p:val>
+                                            <p:strVal val="#ppt_x-0.25"/>
+                                          </p:val>
+                                        </p:tav>
+                                        <p:tav tm="100000">
+                                          <p:val>
+                                            <p:strVal val="#ppt_x"/>
+                                          </p:val>
+                                        </p:tav>
+                                      </p:tavLst>
+                                    </p:anim>
+                                    <p:anim calcmode="lin" valueType="num">
+                                      <p:cBhvr>
+                                        <p:cTn id="9" dur="664" tmFilter="0.0,0.0; 0.25,0.07; 0.50,0.2; 0.75,0.467; 1.0,1.0">
+                                          <p:stCondLst>
+                                            <p:cond delay="0"/>
+                                          </p:stCondLst>
+                                        </p:cTn>
+                                        <p:tgtEl>
+                                          <p:spTgt spid="428"/>
+                                        </p:tgtEl>
+                                        <p:attrNameLst>
+                                          <p:attrName>ppt_y</p:attrName>
+                                        </p:attrNameLst>
+                                      </p:cBhvr>
+                                      <p:tavLst>
+                                        <p:tav tm="0" fmla="#ppt_y-sin(pi*$)/3">
+                                          <p:val>
+                                            <p:fltVal val="0.5"/>
+                                          </p:val>
+                                        </p:tav>
+                                        <p:tav tm="100000">
+                                          <p:val>
+                                            <p:fltVal val="1"/>
+                                          </p:val>
+                                        </p:tav>
+                                      </p:tavLst>
+                                    </p:anim>
+                                    <p:anim calcmode="lin" valueType="num">
+                                      <p:cBhvr>
+                                        <p:cTn id="10" dur="664" tmFilter="0, 0; 0.125,0.2665; 0.25,0.4; 0.375,0.465; 0.5,0.5;  0.625,0.535; 0.75,0.6; 0.875,0.7335; 1,1">
+                                          <p:stCondLst>
+                                            <p:cond delay="664"/>
+                                          </p:stCondLst>
+                                        </p:cTn>
+                                        <p:tgtEl>
+                                          <p:spTgt spid="428"/>
+                                        </p:tgtEl>
+                                        <p:attrNameLst>
+                                          <p:attrName>ppt_y</p:attrName>
+                                        </p:attrNameLst>
+                                      </p:cBhvr>
+                                      <p:tavLst>
+                                        <p:tav tm="0" fmla="#ppt_y-sin(pi*$)/9">
+                                          <p:val>
+                                            <p:fltVal val="0"/>
+                                          </p:val>
+                                        </p:tav>
+                                        <p:tav tm="100000">
+                                          <p:val>
+                                            <p:fltVal val="1"/>
+                                          </p:val>
+                                        </p:tav>
+                                      </p:tavLst>
+                                    </p:anim>
+                                    <p:anim calcmode="lin" valueType="num">
+                                      <p:cBhvr>
+                                        <p:cTn id="11" dur="332" tmFilter="0, 0; 0.125,0.2665; 0.25,0.4; 0.375,0.465; 0.5,0.5;  0.625,0.535; 0.75,0.6; 0.875,0.7335; 1,1">
+                                          <p:stCondLst>
+                                            <p:cond delay="1324"/>
+                                          </p:stCondLst>
+                                        </p:cTn>
+                                        <p:tgtEl>
+                                          <p:spTgt spid="428"/>
+                                        </p:tgtEl>
+                                        <p:attrNameLst>
+                                          <p:attrName>ppt_y</p:attrName>
+                                        </p:attrNameLst>
+                                      </p:cBhvr>
+                                      <p:tavLst>
+                                        <p:tav tm="0" fmla="#ppt_y-sin(pi*$)/27">
+                                          <p:val>
+                                            <p:fltVal val="0"/>
+                                          </p:val>
+                                        </p:tav>
+                                        <p:tav tm="100000">
+                                          <p:val>
+                                            <p:fltVal val="1"/>
+                                          </p:val>
+                                        </p:tav>
+                                      </p:tavLst>
+                                    </p:anim>
+                                    <p:anim calcmode="lin" valueType="num">
+                                      <p:cBhvr>
+                                        <p:cTn id="12" dur="164" tmFilter="0, 0; 0.125,0.2665; 0.25,0.4; 0.375,0.465; 0.5,0.5;  0.625,0.535; 0.75,0.6; 0.875,0.7335; 1,1">
+                                          <p:stCondLst>
+                                            <p:cond delay="1656"/>
+                                          </p:stCondLst>
+                                        </p:cTn>
+                                        <p:tgtEl>
+                                          <p:spTgt spid="428"/>
+                                        </p:tgtEl>
+                                        <p:attrNameLst>
+                                          <p:attrName>ppt_y</p:attrName>
+                                        </p:attrNameLst>
+                                      </p:cBhvr>
+                                      <p:tavLst>
+                                        <p:tav tm="0" fmla="#ppt_y-sin(pi*$)/81">
+                                          <p:val>
+                                            <p:fltVal val="0"/>
+                                          </p:val>
+                                        </p:tav>
+                                        <p:tav tm="100000">
+                                          <p:val>
+                                            <p:fltVal val="1"/>
+                                          </p:val>
+                                        </p:tav>
+                                      </p:tavLst>
+                                    </p:anim>
+                                    <p:animScale>
+                                      <p:cBhvr>
+                                        <p:cTn id="13" dur="26">
+                                          <p:stCondLst>
+                                            <p:cond delay="650"/>
+                                          </p:stCondLst>
+                                        </p:cTn>
+                                        <p:tgtEl>
+                                          <p:spTgt spid="428"/>
+                                        </p:tgtEl>
+                                      </p:cBhvr>
+                                      <p:to x="100000" y="60000"/>
+                                    </p:animScale>
+                                    <p:animScale>
+                                      <p:cBhvr>
+                                        <p:cTn id="14" dur="166" decel="50000">
+                                          <p:stCondLst>
+                                            <p:cond delay="676"/>
+                                          </p:stCondLst>
+                                        </p:cTn>
+                                        <p:tgtEl>
+                                          <p:spTgt spid="428"/>
+                                        </p:tgtEl>
+                                      </p:cBhvr>
+                                      <p:to x="100000" y="100000"/>
+                                    </p:animScale>
+                                    <p:animScale>
+                                      <p:cBhvr>
+                                        <p:cTn id="15" dur="26">
+                                          <p:stCondLst>
+                                            <p:cond delay="1312"/>
+                                          </p:stCondLst>
+                                        </p:cTn>
+                                        <p:tgtEl>
+                                          <p:spTgt spid="428"/>
+                                        </p:tgtEl>
+                                      </p:cBhvr>
+                                      <p:to x="100000" y="80000"/>
+                                    </p:animScale>
+                                    <p:animScale>
+                                      <p:cBhvr>
+                                        <p:cTn id="16" dur="166" decel="50000">
+                                          <p:stCondLst>
+                                            <p:cond delay="1338"/>
+                                          </p:stCondLst>
+                                        </p:cTn>
+                                        <p:tgtEl>
+                                          <p:spTgt spid="428"/>
+                                        </p:tgtEl>
+                                      </p:cBhvr>
+                                      <p:to x="100000" y="100000"/>
+                                    </p:animScale>
+                                    <p:animScale>
+                                      <p:cBhvr>
+                                        <p:cTn id="17" dur="26">
+                                          <p:stCondLst>
+                                            <p:cond delay="1642"/>
+                                          </p:stCondLst>
+                                        </p:cTn>
+                                        <p:tgtEl>
+                                          <p:spTgt spid="428"/>
+                                        </p:tgtEl>
+                                      </p:cBhvr>
+                                      <p:to x="100000" y="90000"/>
+                                    </p:animScale>
+                                    <p:animScale>
+                                      <p:cBhvr>
+                                        <p:cTn id="18" dur="166" decel="50000">
+                                          <p:stCondLst>
+                                            <p:cond delay="1668"/>
+                                          </p:stCondLst>
+                                        </p:cTn>
+                                        <p:tgtEl>
+                                          <p:spTgt spid="428"/>
+                                        </p:tgtEl>
+                                      </p:cBhvr>
+                                      <p:to x="100000" y="100000"/>
+                                    </p:animScale>
+                                    <p:animScale>
+                                      <p:cBhvr>
+                                        <p:cTn id="19" dur="26">
+                                          <p:stCondLst>
+                                            <p:cond delay="1808"/>
+                                          </p:stCondLst>
+                                        </p:cTn>
+                                        <p:tgtEl>
+                                          <p:spTgt spid="428"/>
+                                        </p:tgtEl>
+                                      </p:cBhvr>
+                                      <p:to x="100000" y="95000"/>
+                                    </p:animScale>
+                                    <p:animScale>
+                                      <p:cBhvr>
+                                        <p:cTn id="20" dur="166" decel="50000">
+                                          <p:stCondLst>
+                                            <p:cond delay="1834"/>
+                                          </p:stCondLst>
+                                        </p:cTn>
+                                        <p:tgtEl>
+                                          <p:spTgt spid="428"/>
+                                        </p:tgtEl>
+                                      </p:cBhvr>
+                                      <p:to x="100000" y="100000"/>
+                                    </p:animScale>
+                                  </p:childTnLst>
+                                </p:cTn>
+                              </p:par>
+                            </p:childTnLst>
+                          </p:cTn>
+                        </p:par>
+                      </p:childTnLst>
+                    </p:cTn>
+                  </p:par>
+                </p:childTnLst>
+              </p:cTn>
+              <p:prevCondLst>
+                <p:cond evt="onPrev" delay="0">
+                  <p:tgtEl>
+                    <p:sldTgt/>
+                  </p:tgtEl>
+                </p:cond>
+              </p:prevCondLst>
+              <p:nextCondLst>
+                <p:cond evt="onNext" delay="0">
+                  <p:tgtEl>
+                    <p:sldTgt/>
+                  </p:tgtEl>
+                </p:cond>
+              </p:nextCondLst>
+            </p:seq>
+          </p:childTnLst>
+        </p:cTn>
+      </p:par>
+    </p:tnLst>
+    <p:bldLst>
+      <p:bldP spid="428" grpId="0"/>
+    </p:bldLst>
+  </p:timing>
 </p:sld>
 </file>
 
@@ -10815,7 +12287,7 @@
         <p:spPr>
           <a:xfrm>
             <a:off x="681990" y="1817153"/>
-            <a:ext cx="7780020" cy="2547184"/>
+            <a:ext cx="7016668" cy="2547184"/>
           </a:xfrm>
           <a:prstGeom prst="rect">
             <a:avLst/>
@@ -10831,11 +12303,11 @@
               <a:buNone/>
             </a:pPr>
             <a:r>
-              <a:rPr lang="en" sz="3600" b="1" dirty="0"/>
+              <a:rPr lang="en" sz="2800" b="1" dirty="0"/>
               <a:t>I am </a:t>
             </a:r>
             <a:r>
-              <a:rPr lang="en" sz="3600" b="1" dirty="0">
+              <a:rPr lang="en" sz="2800" b="1" dirty="0">
                 <a:solidFill>
                   <a:schemeClr val="accent1"/>
                 </a:solidFill>
@@ -10848,19 +12320,19 @@
               <a:buNone/>
             </a:pPr>
             <a:r>
-              <a:rPr lang="en" sz="3200" dirty="0"/>
+              <a:rPr lang="en" sz="2800" dirty="0"/>
               <a:t>Currently </a:t>
             </a:r>
             <a:r>
-              <a:rPr lang="en-IN" sz="3200" dirty="0"/>
+              <a:rPr lang="en-IN" sz="2800" dirty="0"/>
               <a:t>pursuing my graduation from</a:t>
             </a:r>
             <a:r>
-              <a:rPr lang="en" sz="3200" dirty="0"/>
+              <a:rPr lang="en" sz="2800" dirty="0"/>
               <a:t> </a:t>
             </a:r>
             <a:r>
-              <a:rPr lang="en-IN" sz="3200" b="1" dirty="0">
+              <a:rPr lang="en-IN" sz="2800" b="1" dirty="0">
                 <a:solidFill>
                   <a:schemeClr val="accent1"/>
                 </a:solidFill>
@@ -10868,7 +12340,7 @@
               <a:t>ABIT  Cuttack in B-Tech </a:t>
             </a:r>
             <a:r>
-              <a:rPr lang="en-IN" sz="3200" dirty="0">
+              <a:rPr lang="en-IN" sz="2800" dirty="0">
                 <a:solidFill>
                   <a:schemeClr val="tx1"/>
                 </a:solidFill>
@@ -10876,18 +12348,18 @@
               <a:t>of</a:t>
             </a:r>
             <a:r>
-              <a:rPr lang="en-IN" sz="3200" dirty="0"/>
+              <a:rPr lang="en-IN" sz="2800" dirty="0"/>
               <a:t> Branch </a:t>
             </a:r>
             <a:r>
-              <a:rPr lang="en-IN" sz="3200" b="1" dirty="0">
+              <a:rPr lang="en-IN" sz="2800" b="1" dirty="0">
                 <a:solidFill>
                   <a:schemeClr val="accent1"/>
                 </a:solidFill>
               </a:rPr>
               <a:t>CSE</a:t>
             </a:r>
-            <a:endParaRPr sz="3200" b="1" dirty="0">
+            <a:endParaRPr sz="2800" b="1" dirty="0">
               <a:solidFill>
                 <a:schemeClr val="accent1"/>
               </a:solidFill>
@@ -10909,23 +12381,23 @@
               <a:buNone/>
             </a:pPr>
             <a:r>
-              <a:rPr lang="en" sz="3200" dirty="0"/>
+              <a:rPr lang="en" sz="2800" dirty="0"/>
               <a:t>Today </a:t>
             </a:r>
             <a:r>
-              <a:rPr lang="en-IN" sz="3200" dirty="0"/>
+              <a:rPr lang="en-IN" sz="2800" dirty="0"/>
               <a:t>the topic of my </a:t>
             </a:r>
             <a:r>
-              <a:rPr lang="en" sz="3200" dirty="0"/>
+              <a:rPr lang="en" sz="2800" dirty="0"/>
               <a:t>presentation </a:t>
             </a:r>
             <a:r>
-              <a:rPr lang="en-IN" sz="3200" dirty="0"/>
+              <a:rPr lang="en-IN" sz="2800" dirty="0"/>
               <a:t>is all about </a:t>
             </a:r>
             <a:r>
-              <a:rPr lang="en-IN" sz="3200" b="1" dirty="0">
+              <a:rPr lang="en-IN" sz="2800" b="1" dirty="0">
                 <a:solidFill>
                   <a:schemeClr val="accent1"/>
                 </a:solidFill>
@@ -10933,10 +12405,10 @@
               <a:t>Reverse Geocoding</a:t>
             </a:r>
             <a:r>
-              <a:rPr lang="en-IN" sz="3200" dirty="0"/>
+              <a:rPr lang="en-IN" sz="2800" dirty="0"/>
               <a:t>.</a:t>
             </a:r>
-            <a:endParaRPr sz="3200" dirty="0"/>
+            <a:endParaRPr sz="2800" dirty="0"/>
           </a:p>
           <a:p>
             <a:pPr marL="0" lvl="0" indent="0" algn="l" rtl="0">
@@ -11004,6 +12476,1216 @@
   <p:clrMapOvr>
     <a:masterClrMapping/>
   </p:clrMapOvr>
+  <p:timing>
+    <p:tnLst>
+      <p:par>
+        <p:cTn id="1" dur="indefinite" restart="never" nodeType="tmRoot">
+          <p:childTnLst>
+            <p:seq concurrent="1" nextAc="seek">
+              <p:cTn id="2" dur="indefinite" nodeType="mainSeq">
+                <p:childTnLst>
+                  <p:par>
+                    <p:cTn id="3" fill="hold">
+                      <p:stCondLst>
+                        <p:cond delay="indefinite"/>
+                        <p:cond evt="onBegin" delay="0">
+                          <p:tn val="2"/>
+                        </p:cond>
+                      </p:stCondLst>
+                      <p:childTnLst>
+                        <p:par>
+                          <p:cTn id="4" fill="hold">
+                            <p:stCondLst>
+                              <p:cond delay="0"/>
+                            </p:stCondLst>
+                            <p:childTnLst>
+                              <p:par>
+                                <p:cTn id="5" presetID="42" presetClass="entr" presetSubtype="0" fill="hold" grpId="0" nodeType="withEffect">
+                                  <p:stCondLst>
+                                    <p:cond delay="0"/>
+                                  </p:stCondLst>
+                                  <p:childTnLst>
+                                    <p:set>
+                                      <p:cBhvr>
+                                        <p:cTn id="6" dur="1" fill="hold">
+                                          <p:stCondLst>
+                                            <p:cond delay="0"/>
+                                          </p:stCondLst>
+                                        </p:cTn>
+                                        <p:tgtEl>
+                                          <p:spTgt spid="388"/>
+                                        </p:tgtEl>
+                                        <p:attrNameLst>
+                                          <p:attrName>style.visibility</p:attrName>
+                                        </p:attrNameLst>
+                                      </p:cBhvr>
+                                      <p:to>
+                                        <p:strVal val="visible"/>
+                                      </p:to>
+                                    </p:set>
+                                    <p:animEffect transition="in" filter="fade">
+                                      <p:cBhvr>
+                                        <p:cTn id="7" dur="1000"/>
+                                        <p:tgtEl>
+                                          <p:spTgt spid="388"/>
+                                        </p:tgtEl>
+                                      </p:cBhvr>
+                                    </p:animEffect>
+                                    <p:anim calcmode="lin" valueType="num">
+                                      <p:cBhvr>
+                                        <p:cTn id="8" dur="1000" fill="hold"/>
+                                        <p:tgtEl>
+                                          <p:spTgt spid="388"/>
+                                        </p:tgtEl>
+                                        <p:attrNameLst>
+                                          <p:attrName>ppt_x</p:attrName>
+                                        </p:attrNameLst>
+                                      </p:cBhvr>
+                                      <p:tavLst>
+                                        <p:tav tm="0">
+                                          <p:val>
+                                            <p:strVal val="#ppt_x"/>
+                                          </p:val>
+                                        </p:tav>
+                                        <p:tav tm="100000">
+                                          <p:val>
+                                            <p:strVal val="#ppt_x"/>
+                                          </p:val>
+                                        </p:tav>
+                                      </p:tavLst>
+                                    </p:anim>
+                                    <p:anim calcmode="lin" valueType="num">
+                                      <p:cBhvr>
+                                        <p:cTn id="9" dur="1000" fill="hold"/>
+                                        <p:tgtEl>
+                                          <p:spTgt spid="388"/>
+                                        </p:tgtEl>
+                                        <p:attrNameLst>
+                                          <p:attrName>ppt_y</p:attrName>
+                                        </p:attrNameLst>
+                                      </p:cBhvr>
+                                      <p:tavLst>
+                                        <p:tav tm="0">
+                                          <p:val>
+                                            <p:strVal val="#ppt_y+.1"/>
+                                          </p:val>
+                                        </p:tav>
+                                        <p:tav tm="100000">
+                                          <p:val>
+                                            <p:strVal val="#ppt_y"/>
+                                          </p:val>
+                                        </p:tav>
+                                      </p:tavLst>
+                                    </p:anim>
+                                  </p:childTnLst>
+                                </p:cTn>
+                              </p:par>
+                            </p:childTnLst>
+                          </p:cTn>
+                        </p:par>
+                        <p:par>
+                          <p:cTn id="10" fill="hold">
+                            <p:stCondLst>
+                              <p:cond delay="1000"/>
+                            </p:stCondLst>
+                            <p:childTnLst>
+                              <p:par>
+                                <p:cTn id="11" presetID="43" presetClass="entr" presetSubtype="0" fill="hold" grpId="0" nodeType="afterEffect">
+                                  <p:stCondLst>
+                                    <p:cond delay="0"/>
+                                  </p:stCondLst>
+                                  <p:childTnLst>
+                                    <p:set>
+                                      <p:cBhvr>
+                                        <p:cTn id="12" dur="1" fill="hold">
+                                          <p:stCondLst>
+                                            <p:cond delay="0"/>
+                                          </p:stCondLst>
+                                        </p:cTn>
+                                        <p:tgtEl>
+                                          <p:spTgt spid="389">
+                                            <p:txEl>
+                                              <p:pRg st="0" end="0"/>
+                                            </p:txEl>
+                                          </p:spTgt>
+                                        </p:tgtEl>
+                                        <p:attrNameLst>
+                                          <p:attrName>style.visibility</p:attrName>
+                                        </p:attrNameLst>
+                                      </p:cBhvr>
+                                      <p:to>
+                                        <p:strVal val="visible"/>
+                                      </p:to>
+                                    </p:set>
+                                    <p:animEffect transition="in" filter="fade">
+                                      <p:cBhvr>
+                                        <p:cTn id="13" dur="100"/>
+                                        <p:tgtEl>
+                                          <p:spTgt spid="389">
+                                            <p:txEl>
+                                              <p:pRg st="0" end="0"/>
+                                            </p:txEl>
+                                          </p:spTgt>
+                                        </p:tgtEl>
+                                      </p:cBhvr>
+                                    </p:animEffect>
+                                    <p:anim calcmode="lin" valueType="num">
+                                      <p:cBhvr>
+                                        <p:cTn id="14" dur="400" fill="hold"/>
+                                        <p:tgtEl>
+                                          <p:spTgt spid="389">
+                                            <p:txEl>
+                                              <p:pRg st="0" end="0"/>
+                                            </p:txEl>
+                                          </p:spTgt>
+                                        </p:tgtEl>
+                                        <p:attrNameLst>
+                                          <p:attrName>ppt_x</p:attrName>
+                                        </p:attrNameLst>
+                                      </p:cBhvr>
+                                      <p:tavLst>
+                                        <p:tav tm="0">
+                                          <p:val>
+                                            <p:strVal val="#ppt_x"/>
+                                          </p:val>
+                                        </p:tav>
+                                        <p:tav tm="100000">
+                                          <p:val>
+                                            <p:strVal val="#ppt_x"/>
+                                          </p:val>
+                                        </p:tav>
+                                      </p:tavLst>
+                                    </p:anim>
+                                    <p:anim calcmode="lin" valueType="num">
+                                      <p:cBhvr>
+                                        <p:cTn id="15" dur="400" fill="hold"/>
+                                        <p:tgtEl>
+                                          <p:spTgt spid="389">
+                                            <p:txEl>
+                                              <p:pRg st="0" end="0"/>
+                                            </p:txEl>
+                                          </p:spTgt>
+                                        </p:tgtEl>
+                                        <p:attrNameLst>
+                                          <p:attrName>ppt_y</p:attrName>
+                                        </p:attrNameLst>
+                                      </p:cBhvr>
+                                      <p:tavLst>
+                                        <p:tav tm="0">
+                                          <p:val>
+                                            <p:strVal val="#ppt_y+0.31"/>
+                                          </p:val>
+                                        </p:tav>
+                                        <p:tav tm="100000">
+                                          <p:val>
+                                            <p:strVal val="#ppt_y+0.31"/>
+                                          </p:val>
+                                        </p:tav>
+                                      </p:tavLst>
+                                    </p:anim>
+                                    <p:anim calcmode="lin" valueType="num">
+                                      <p:cBhvr>
+                                        <p:cTn id="16" dur="600" decel="50000" fill="hold">
+                                          <p:stCondLst>
+                                            <p:cond delay="400"/>
+                                          </p:stCondLst>
+                                        </p:cTn>
+                                        <p:tgtEl>
+                                          <p:spTgt spid="389">
+                                            <p:txEl>
+                                              <p:pRg st="0" end="0"/>
+                                            </p:txEl>
+                                          </p:spTgt>
+                                        </p:tgtEl>
+                                        <p:attrNameLst>
+                                          <p:attrName>ppt_x</p:attrName>
+                                        </p:attrNameLst>
+                                      </p:cBhvr>
+                                      <p:tavLst>
+                                        <p:tav tm="0">
+                                          <p:val>
+                                            <p:strVal val="#ppt_x"/>
+                                          </p:val>
+                                        </p:tav>
+                                        <p:tav tm="5000">
+                                          <p:val>
+                                            <p:strVal val="#ppt_x+0.0242"/>
+                                          </p:val>
+                                        </p:tav>
+                                        <p:tav tm="10000">
+                                          <p:val>
+                                            <p:strVal val="#ppt_x+0.0479"/>
+                                          </p:val>
+                                        </p:tav>
+                                        <p:tav tm="15000">
+                                          <p:val>
+                                            <p:strVal val="#ppt_x+0.0704"/>
+                                          </p:val>
+                                        </p:tav>
+                                        <p:tav tm="20000">
+                                          <p:val>
+                                            <p:strVal val="#ppt_x+0.0911"/>
+                                          </p:val>
+                                        </p:tav>
+                                        <p:tav tm="25000">
+                                          <p:val>
+                                            <p:strVal val="#ppt_x+0.1096"/>
+                                          </p:val>
+                                        </p:tav>
+                                        <p:tav tm="30000">
+                                          <p:val>
+                                            <p:strVal val="#ppt_x+0.1254"/>
+                                          </p:val>
+                                        </p:tav>
+                                        <p:tav tm="35000">
+                                          <p:val>
+                                            <p:strVal val="#ppt_x+0.1381"/>
+                                          </p:val>
+                                        </p:tav>
+                                        <p:tav tm="40000">
+                                          <p:val>
+                                            <p:strVal val="#ppt_x+0.1474"/>
+                                          </p:val>
+                                        </p:tav>
+                                        <p:tav tm="45000">
+                                          <p:val>
+                                            <p:strVal val="#ppt_x+0.1531"/>
+                                          </p:val>
+                                        </p:tav>
+                                        <p:tav tm="50000">
+                                          <p:val>
+                                            <p:strVal val="#ppt_x+0.1550"/>
+                                          </p:val>
+                                        </p:tav>
+                                        <p:tav tm="55000">
+                                          <p:val>
+                                            <p:strVal val="#ppt_x+0.1531"/>
+                                          </p:val>
+                                        </p:tav>
+                                        <p:tav tm="60000">
+                                          <p:val>
+                                            <p:strVal val="#ppt_x+0.1474"/>
+                                          </p:val>
+                                        </p:tav>
+                                        <p:tav tm="65000">
+                                          <p:val>
+                                            <p:strVal val="#ppt_x+0.1381"/>
+                                          </p:val>
+                                        </p:tav>
+                                        <p:tav tm="70000">
+                                          <p:val>
+                                            <p:strVal val="#ppt_x+0.1254"/>
+                                          </p:val>
+                                        </p:tav>
+                                        <p:tav tm="75000">
+                                          <p:val>
+                                            <p:strVal val="#ppt_x+0.1096"/>
+                                          </p:val>
+                                        </p:tav>
+                                        <p:tav tm="80000">
+                                          <p:val>
+                                            <p:strVal val="#ppt_x+0.0911"/>
+                                          </p:val>
+                                        </p:tav>
+                                        <p:tav tm="85000">
+                                          <p:val>
+                                            <p:strVal val="#ppt_x+0.0704"/>
+                                          </p:val>
+                                        </p:tav>
+                                        <p:tav tm="90000">
+                                          <p:val>
+                                            <p:strVal val="#ppt_x+0.0479"/>
+                                          </p:val>
+                                        </p:tav>
+                                        <p:tav tm="95000">
+                                          <p:val>
+                                            <p:strVal val="#ppt_x+0.0242"/>
+                                          </p:val>
+                                        </p:tav>
+                                        <p:tav tm="100000">
+                                          <p:val>
+                                            <p:strVal val="#ppt_x"/>
+                                          </p:val>
+                                        </p:tav>
+                                      </p:tavLst>
+                                    </p:anim>
+                                    <p:anim calcmode="lin" valueType="num">
+                                      <p:cBhvr>
+                                        <p:cTn id="17" dur="600" decel="50000" fill="hold">
+                                          <p:stCondLst>
+                                            <p:cond delay="400"/>
+                                          </p:stCondLst>
+                                        </p:cTn>
+                                        <p:tgtEl>
+                                          <p:spTgt spid="389">
+                                            <p:txEl>
+                                              <p:pRg st="0" end="0"/>
+                                            </p:txEl>
+                                          </p:spTgt>
+                                        </p:tgtEl>
+                                        <p:attrNameLst>
+                                          <p:attrName>ppt_y</p:attrName>
+                                        </p:attrNameLst>
+                                      </p:cBhvr>
+                                      <p:tavLst>
+                                        <p:tav tm="0">
+                                          <p:val>
+                                            <p:strVal val="#ppt_y+0.31"/>
+                                          </p:val>
+                                        </p:tav>
+                                        <p:tav tm="5000">
+                                          <p:val>
+                                            <p:strVal val="#ppt_y+0.308"/>
+                                          </p:val>
+                                        </p:tav>
+                                        <p:tav tm="10000">
+                                          <p:val>
+                                            <p:strVal val="#ppt_y+0.3024"/>
+                                          </p:val>
+                                        </p:tav>
+                                        <p:tav tm="15000">
+                                          <p:val>
+                                            <p:strVal val="#ppt_y+0.2931"/>
+                                          </p:val>
+                                        </p:tav>
+                                        <p:tav tm="20000">
+                                          <p:val>
+                                            <p:strVal val="#ppt_y+0.2804"/>
+                                          </p:val>
+                                        </p:tav>
+                                        <p:tav tm="25000">
+                                          <p:val>
+                                            <p:strVal val="#ppt_y+0.2646"/>
+                                          </p:val>
+                                        </p:tav>
+                                        <p:tav tm="30000">
+                                          <p:val>
+                                            <p:strVal val="#ppt_y+0.2461"/>
+                                          </p:val>
+                                        </p:tav>
+                                        <p:tav tm="35000">
+                                          <p:val>
+                                            <p:strVal val="#ppt_y+0.2253"/>
+                                          </p:val>
+                                        </p:tav>
+                                        <p:tav tm="40000">
+                                          <p:val>
+                                            <p:strVal val="#ppt_y+0.2029"/>
+                                          </p:val>
+                                        </p:tav>
+                                        <p:tav tm="45000">
+                                          <p:val>
+                                            <p:strVal val="#ppt_y+0.1792"/>
+                                          </p:val>
+                                        </p:tav>
+                                        <p:tav tm="50000">
+                                          <p:val>
+                                            <p:strVal val="#ppt_y+0.155"/>
+                                          </p:val>
+                                        </p:tav>
+                                        <p:tav tm="55000">
+                                          <p:val>
+                                            <p:strVal val="#ppt_y+0.1307"/>
+                                          </p:val>
+                                        </p:tav>
+                                        <p:tav tm="60000">
+                                          <p:val>
+                                            <p:strVal val="#ppt_y+0.1071"/>
+                                          </p:val>
+                                        </p:tav>
+                                        <p:tav tm="65000">
+                                          <p:val>
+                                            <p:strVal val="#ppt_y+0.0846"/>
+                                          </p:val>
+                                        </p:tav>
+                                        <p:tav tm="70000">
+                                          <p:val>
+                                            <p:strVal val="#ppt_y+0.0639"/>
+                                          </p:val>
+                                        </p:tav>
+                                        <p:tav tm="75000">
+                                          <p:val>
+                                            <p:strVal val="#ppt_y+0.0454"/>
+                                          </p:val>
+                                        </p:tav>
+                                        <p:tav tm="80000">
+                                          <p:val>
+                                            <p:strVal val="#ppt_y+0.0296"/>
+                                          </p:val>
+                                        </p:tav>
+                                        <p:tav tm="85000">
+                                          <p:val>
+                                            <p:strVal val="#ppt_y+0.0169"/>
+                                          </p:val>
+                                        </p:tav>
+                                        <p:tav tm="90000">
+                                          <p:val>
+                                            <p:strVal val="#ppt_y+0.0076"/>
+                                          </p:val>
+                                        </p:tav>
+                                        <p:tav tm="95000">
+                                          <p:val>
+                                            <p:strVal val="#ppt_y+0.0019"/>
+                                          </p:val>
+                                        </p:tav>
+                                        <p:tav tm="100000">
+                                          <p:val>
+                                            <p:strVal val="#ppt_y"/>
+                                          </p:val>
+                                        </p:tav>
+                                      </p:tavLst>
+                                    </p:anim>
+                                  </p:childTnLst>
+                                </p:cTn>
+                              </p:par>
+                            </p:childTnLst>
+                          </p:cTn>
+                        </p:par>
+                        <p:par>
+                          <p:cTn id="18" fill="hold">
+                            <p:stCondLst>
+                              <p:cond delay="2000"/>
+                            </p:stCondLst>
+                            <p:childTnLst>
+                              <p:par>
+                                <p:cTn id="19" presetID="43" presetClass="entr" presetSubtype="0" fill="hold" grpId="0" nodeType="afterEffect">
+                                  <p:stCondLst>
+                                    <p:cond delay="0"/>
+                                  </p:stCondLst>
+                                  <p:childTnLst>
+                                    <p:set>
+                                      <p:cBhvr>
+                                        <p:cTn id="20" dur="1" fill="hold">
+                                          <p:stCondLst>
+                                            <p:cond delay="0"/>
+                                          </p:stCondLst>
+                                        </p:cTn>
+                                        <p:tgtEl>
+                                          <p:spTgt spid="389">
+                                            <p:txEl>
+                                              <p:pRg st="1" end="1"/>
+                                            </p:txEl>
+                                          </p:spTgt>
+                                        </p:tgtEl>
+                                        <p:attrNameLst>
+                                          <p:attrName>style.visibility</p:attrName>
+                                        </p:attrNameLst>
+                                      </p:cBhvr>
+                                      <p:to>
+                                        <p:strVal val="visible"/>
+                                      </p:to>
+                                    </p:set>
+                                    <p:animEffect transition="in" filter="fade">
+                                      <p:cBhvr>
+                                        <p:cTn id="21" dur="100"/>
+                                        <p:tgtEl>
+                                          <p:spTgt spid="389">
+                                            <p:txEl>
+                                              <p:pRg st="1" end="1"/>
+                                            </p:txEl>
+                                          </p:spTgt>
+                                        </p:tgtEl>
+                                      </p:cBhvr>
+                                    </p:animEffect>
+                                    <p:anim calcmode="lin" valueType="num">
+                                      <p:cBhvr>
+                                        <p:cTn id="22" dur="400" fill="hold"/>
+                                        <p:tgtEl>
+                                          <p:spTgt spid="389">
+                                            <p:txEl>
+                                              <p:pRg st="1" end="1"/>
+                                            </p:txEl>
+                                          </p:spTgt>
+                                        </p:tgtEl>
+                                        <p:attrNameLst>
+                                          <p:attrName>ppt_x</p:attrName>
+                                        </p:attrNameLst>
+                                      </p:cBhvr>
+                                      <p:tavLst>
+                                        <p:tav tm="0">
+                                          <p:val>
+                                            <p:strVal val="#ppt_x"/>
+                                          </p:val>
+                                        </p:tav>
+                                        <p:tav tm="100000">
+                                          <p:val>
+                                            <p:strVal val="#ppt_x"/>
+                                          </p:val>
+                                        </p:tav>
+                                      </p:tavLst>
+                                    </p:anim>
+                                    <p:anim calcmode="lin" valueType="num">
+                                      <p:cBhvr>
+                                        <p:cTn id="23" dur="400" fill="hold"/>
+                                        <p:tgtEl>
+                                          <p:spTgt spid="389">
+                                            <p:txEl>
+                                              <p:pRg st="1" end="1"/>
+                                            </p:txEl>
+                                          </p:spTgt>
+                                        </p:tgtEl>
+                                        <p:attrNameLst>
+                                          <p:attrName>ppt_y</p:attrName>
+                                        </p:attrNameLst>
+                                      </p:cBhvr>
+                                      <p:tavLst>
+                                        <p:tav tm="0">
+                                          <p:val>
+                                            <p:strVal val="#ppt_y+0.31"/>
+                                          </p:val>
+                                        </p:tav>
+                                        <p:tav tm="100000">
+                                          <p:val>
+                                            <p:strVal val="#ppt_y+0.31"/>
+                                          </p:val>
+                                        </p:tav>
+                                      </p:tavLst>
+                                    </p:anim>
+                                    <p:anim calcmode="lin" valueType="num">
+                                      <p:cBhvr>
+                                        <p:cTn id="24" dur="600" decel="50000" fill="hold">
+                                          <p:stCondLst>
+                                            <p:cond delay="400"/>
+                                          </p:stCondLst>
+                                        </p:cTn>
+                                        <p:tgtEl>
+                                          <p:spTgt spid="389">
+                                            <p:txEl>
+                                              <p:pRg st="1" end="1"/>
+                                            </p:txEl>
+                                          </p:spTgt>
+                                        </p:tgtEl>
+                                        <p:attrNameLst>
+                                          <p:attrName>ppt_x</p:attrName>
+                                        </p:attrNameLst>
+                                      </p:cBhvr>
+                                      <p:tavLst>
+                                        <p:tav tm="0">
+                                          <p:val>
+                                            <p:strVal val="#ppt_x"/>
+                                          </p:val>
+                                        </p:tav>
+                                        <p:tav tm="5000">
+                                          <p:val>
+                                            <p:strVal val="#ppt_x+0.0242"/>
+                                          </p:val>
+                                        </p:tav>
+                                        <p:tav tm="10000">
+                                          <p:val>
+                                            <p:strVal val="#ppt_x+0.0479"/>
+                                          </p:val>
+                                        </p:tav>
+                                        <p:tav tm="15000">
+                                          <p:val>
+                                            <p:strVal val="#ppt_x+0.0704"/>
+                                          </p:val>
+                                        </p:tav>
+                                        <p:tav tm="20000">
+                                          <p:val>
+                                            <p:strVal val="#ppt_x+0.0911"/>
+                                          </p:val>
+                                        </p:tav>
+                                        <p:tav tm="25000">
+                                          <p:val>
+                                            <p:strVal val="#ppt_x+0.1096"/>
+                                          </p:val>
+                                        </p:tav>
+                                        <p:tav tm="30000">
+                                          <p:val>
+                                            <p:strVal val="#ppt_x+0.1254"/>
+                                          </p:val>
+                                        </p:tav>
+                                        <p:tav tm="35000">
+                                          <p:val>
+                                            <p:strVal val="#ppt_x+0.1381"/>
+                                          </p:val>
+                                        </p:tav>
+                                        <p:tav tm="40000">
+                                          <p:val>
+                                            <p:strVal val="#ppt_x+0.1474"/>
+                                          </p:val>
+                                        </p:tav>
+                                        <p:tav tm="45000">
+                                          <p:val>
+                                            <p:strVal val="#ppt_x+0.1531"/>
+                                          </p:val>
+                                        </p:tav>
+                                        <p:tav tm="50000">
+                                          <p:val>
+                                            <p:strVal val="#ppt_x+0.1550"/>
+                                          </p:val>
+                                        </p:tav>
+                                        <p:tav tm="55000">
+                                          <p:val>
+                                            <p:strVal val="#ppt_x+0.1531"/>
+                                          </p:val>
+                                        </p:tav>
+                                        <p:tav tm="60000">
+                                          <p:val>
+                                            <p:strVal val="#ppt_x+0.1474"/>
+                                          </p:val>
+                                        </p:tav>
+                                        <p:tav tm="65000">
+                                          <p:val>
+                                            <p:strVal val="#ppt_x+0.1381"/>
+                                          </p:val>
+                                        </p:tav>
+                                        <p:tav tm="70000">
+                                          <p:val>
+                                            <p:strVal val="#ppt_x+0.1254"/>
+                                          </p:val>
+                                        </p:tav>
+                                        <p:tav tm="75000">
+                                          <p:val>
+                                            <p:strVal val="#ppt_x+0.1096"/>
+                                          </p:val>
+                                        </p:tav>
+                                        <p:tav tm="80000">
+                                          <p:val>
+                                            <p:strVal val="#ppt_x+0.0911"/>
+                                          </p:val>
+                                        </p:tav>
+                                        <p:tav tm="85000">
+                                          <p:val>
+                                            <p:strVal val="#ppt_x+0.0704"/>
+                                          </p:val>
+                                        </p:tav>
+                                        <p:tav tm="90000">
+                                          <p:val>
+                                            <p:strVal val="#ppt_x+0.0479"/>
+                                          </p:val>
+                                        </p:tav>
+                                        <p:tav tm="95000">
+                                          <p:val>
+                                            <p:strVal val="#ppt_x+0.0242"/>
+                                          </p:val>
+                                        </p:tav>
+                                        <p:tav tm="100000">
+                                          <p:val>
+                                            <p:strVal val="#ppt_x"/>
+                                          </p:val>
+                                        </p:tav>
+                                      </p:tavLst>
+                                    </p:anim>
+                                    <p:anim calcmode="lin" valueType="num">
+                                      <p:cBhvr>
+                                        <p:cTn id="25" dur="600" decel="50000" fill="hold">
+                                          <p:stCondLst>
+                                            <p:cond delay="400"/>
+                                          </p:stCondLst>
+                                        </p:cTn>
+                                        <p:tgtEl>
+                                          <p:spTgt spid="389">
+                                            <p:txEl>
+                                              <p:pRg st="1" end="1"/>
+                                            </p:txEl>
+                                          </p:spTgt>
+                                        </p:tgtEl>
+                                        <p:attrNameLst>
+                                          <p:attrName>ppt_y</p:attrName>
+                                        </p:attrNameLst>
+                                      </p:cBhvr>
+                                      <p:tavLst>
+                                        <p:tav tm="0">
+                                          <p:val>
+                                            <p:strVal val="#ppt_y+0.31"/>
+                                          </p:val>
+                                        </p:tav>
+                                        <p:tav tm="5000">
+                                          <p:val>
+                                            <p:strVal val="#ppt_y+0.308"/>
+                                          </p:val>
+                                        </p:tav>
+                                        <p:tav tm="10000">
+                                          <p:val>
+                                            <p:strVal val="#ppt_y+0.3024"/>
+                                          </p:val>
+                                        </p:tav>
+                                        <p:tav tm="15000">
+                                          <p:val>
+                                            <p:strVal val="#ppt_y+0.2931"/>
+                                          </p:val>
+                                        </p:tav>
+                                        <p:tav tm="20000">
+                                          <p:val>
+                                            <p:strVal val="#ppt_y+0.2804"/>
+                                          </p:val>
+                                        </p:tav>
+                                        <p:tav tm="25000">
+                                          <p:val>
+                                            <p:strVal val="#ppt_y+0.2646"/>
+                                          </p:val>
+                                        </p:tav>
+                                        <p:tav tm="30000">
+                                          <p:val>
+                                            <p:strVal val="#ppt_y+0.2461"/>
+                                          </p:val>
+                                        </p:tav>
+                                        <p:tav tm="35000">
+                                          <p:val>
+                                            <p:strVal val="#ppt_y+0.2253"/>
+                                          </p:val>
+                                        </p:tav>
+                                        <p:tav tm="40000">
+                                          <p:val>
+                                            <p:strVal val="#ppt_y+0.2029"/>
+                                          </p:val>
+                                        </p:tav>
+                                        <p:tav tm="45000">
+                                          <p:val>
+                                            <p:strVal val="#ppt_y+0.1792"/>
+                                          </p:val>
+                                        </p:tav>
+                                        <p:tav tm="50000">
+                                          <p:val>
+                                            <p:strVal val="#ppt_y+0.155"/>
+                                          </p:val>
+                                        </p:tav>
+                                        <p:tav tm="55000">
+                                          <p:val>
+                                            <p:strVal val="#ppt_y+0.1307"/>
+                                          </p:val>
+                                        </p:tav>
+                                        <p:tav tm="60000">
+                                          <p:val>
+                                            <p:strVal val="#ppt_y+0.1071"/>
+                                          </p:val>
+                                        </p:tav>
+                                        <p:tav tm="65000">
+                                          <p:val>
+                                            <p:strVal val="#ppt_y+0.0846"/>
+                                          </p:val>
+                                        </p:tav>
+                                        <p:tav tm="70000">
+                                          <p:val>
+                                            <p:strVal val="#ppt_y+0.0639"/>
+                                          </p:val>
+                                        </p:tav>
+                                        <p:tav tm="75000">
+                                          <p:val>
+                                            <p:strVal val="#ppt_y+0.0454"/>
+                                          </p:val>
+                                        </p:tav>
+                                        <p:tav tm="80000">
+                                          <p:val>
+                                            <p:strVal val="#ppt_y+0.0296"/>
+                                          </p:val>
+                                        </p:tav>
+                                        <p:tav tm="85000">
+                                          <p:val>
+                                            <p:strVal val="#ppt_y+0.0169"/>
+                                          </p:val>
+                                        </p:tav>
+                                        <p:tav tm="90000">
+                                          <p:val>
+                                            <p:strVal val="#ppt_y+0.0076"/>
+                                          </p:val>
+                                        </p:tav>
+                                        <p:tav tm="95000">
+                                          <p:val>
+                                            <p:strVal val="#ppt_y+0.0019"/>
+                                          </p:val>
+                                        </p:tav>
+                                        <p:tav tm="100000">
+                                          <p:val>
+                                            <p:strVal val="#ppt_y"/>
+                                          </p:val>
+                                        </p:tav>
+                                      </p:tavLst>
+                                    </p:anim>
+                                  </p:childTnLst>
+                                </p:cTn>
+                              </p:par>
+                            </p:childTnLst>
+                          </p:cTn>
+                        </p:par>
+                        <p:par>
+                          <p:cTn id="26" fill="hold">
+                            <p:stCondLst>
+                              <p:cond delay="3000"/>
+                            </p:stCondLst>
+                            <p:childTnLst>
+                              <p:par>
+                                <p:cTn id="27" presetID="43" presetClass="entr" presetSubtype="0" fill="hold" grpId="0" nodeType="afterEffect">
+                                  <p:stCondLst>
+                                    <p:cond delay="0"/>
+                                  </p:stCondLst>
+                                  <p:childTnLst>
+                                    <p:set>
+                                      <p:cBhvr>
+                                        <p:cTn id="28" dur="1" fill="hold">
+                                          <p:stCondLst>
+                                            <p:cond delay="0"/>
+                                          </p:stCondLst>
+                                        </p:cTn>
+                                        <p:tgtEl>
+                                          <p:spTgt spid="389">
+                                            <p:txEl>
+                                              <p:pRg st="2" end="2"/>
+                                            </p:txEl>
+                                          </p:spTgt>
+                                        </p:tgtEl>
+                                        <p:attrNameLst>
+                                          <p:attrName>style.visibility</p:attrName>
+                                        </p:attrNameLst>
+                                      </p:cBhvr>
+                                      <p:to>
+                                        <p:strVal val="visible"/>
+                                      </p:to>
+                                    </p:set>
+                                    <p:animEffect transition="in" filter="fade">
+                                      <p:cBhvr>
+                                        <p:cTn id="29" dur="100"/>
+                                        <p:tgtEl>
+                                          <p:spTgt spid="389">
+                                            <p:txEl>
+                                              <p:pRg st="2" end="2"/>
+                                            </p:txEl>
+                                          </p:spTgt>
+                                        </p:tgtEl>
+                                      </p:cBhvr>
+                                    </p:animEffect>
+                                    <p:anim calcmode="lin" valueType="num">
+                                      <p:cBhvr>
+                                        <p:cTn id="30" dur="400" fill="hold"/>
+                                        <p:tgtEl>
+                                          <p:spTgt spid="389">
+                                            <p:txEl>
+                                              <p:pRg st="2" end="2"/>
+                                            </p:txEl>
+                                          </p:spTgt>
+                                        </p:tgtEl>
+                                        <p:attrNameLst>
+                                          <p:attrName>ppt_x</p:attrName>
+                                        </p:attrNameLst>
+                                      </p:cBhvr>
+                                      <p:tavLst>
+                                        <p:tav tm="0">
+                                          <p:val>
+                                            <p:strVal val="#ppt_x"/>
+                                          </p:val>
+                                        </p:tav>
+                                        <p:tav tm="100000">
+                                          <p:val>
+                                            <p:strVal val="#ppt_x"/>
+                                          </p:val>
+                                        </p:tav>
+                                      </p:tavLst>
+                                    </p:anim>
+                                    <p:anim calcmode="lin" valueType="num">
+                                      <p:cBhvr>
+                                        <p:cTn id="31" dur="400" fill="hold"/>
+                                        <p:tgtEl>
+                                          <p:spTgt spid="389">
+                                            <p:txEl>
+                                              <p:pRg st="2" end="2"/>
+                                            </p:txEl>
+                                          </p:spTgt>
+                                        </p:tgtEl>
+                                        <p:attrNameLst>
+                                          <p:attrName>ppt_y</p:attrName>
+                                        </p:attrNameLst>
+                                      </p:cBhvr>
+                                      <p:tavLst>
+                                        <p:tav tm="0">
+                                          <p:val>
+                                            <p:strVal val="#ppt_y+0.31"/>
+                                          </p:val>
+                                        </p:tav>
+                                        <p:tav tm="100000">
+                                          <p:val>
+                                            <p:strVal val="#ppt_y+0.31"/>
+                                          </p:val>
+                                        </p:tav>
+                                      </p:tavLst>
+                                    </p:anim>
+                                    <p:anim calcmode="lin" valueType="num">
+                                      <p:cBhvr>
+                                        <p:cTn id="32" dur="600" decel="50000" fill="hold">
+                                          <p:stCondLst>
+                                            <p:cond delay="400"/>
+                                          </p:stCondLst>
+                                        </p:cTn>
+                                        <p:tgtEl>
+                                          <p:spTgt spid="389">
+                                            <p:txEl>
+                                              <p:pRg st="2" end="2"/>
+                                            </p:txEl>
+                                          </p:spTgt>
+                                        </p:tgtEl>
+                                        <p:attrNameLst>
+                                          <p:attrName>ppt_x</p:attrName>
+                                        </p:attrNameLst>
+                                      </p:cBhvr>
+                                      <p:tavLst>
+                                        <p:tav tm="0">
+                                          <p:val>
+                                            <p:strVal val="#ppt_x"/>
+                                          </p:val>
+                                        </p:tav>
+                                        <p:tav tm="5000">
+                                          <p:val>
+                                            <p:strVal val="#ppt_x+0.0242"/>
+                                          </p:val>
+                                        </p:tav>
+                                        <p:tav tm="10000">
+                                          <p:val>
+                                            <p:strVal val="#ppt_x+0.0479"/>
+                                          </p:val>
+                                        </p:tav>
+                                        <p:tav tm="15000">
+                                          <p:val>
+                                            <p:strVal val="#ppt_x+0.0704"/>
+                                          </p:val>
+                                        </p:tav>
+                                        <p:tav tm="20000">
+                                          <p:val>
+                                            <p:strVal val="#ppt_x+0.0911"/>
+                                          </p:val>
+                                        </p:tav>
+                                        <p:tav tm="25000">
+                                          <p:val>
+                                            <p:strVal val="#ppt_x+0.1096"/>
+                                          </p:val>
+                                        </p:tav>
+                                        <p:tav tm="30000">
+                                          <p:val>
+                                            <p:strVal val="#ppt_x+0.1254"/>
+                                          </p:val>
+                                        </p:tav>
+                                        <p:tav tm="35000">
+                                          <p:val>
+                                            <p:strVal val="#ppt_x+0.1381"/>
+                                          </p:val>
+                                        </p:tav>
+                                        <p:tav tm="40000">
+                                          <p:val>
+                                            <p:strVal val="#ppt_x+0.1474"/>
+                                          </p:val>
+                                        </p:tav>
+                                        <p:tav tm="45000">
+                                          <p:val>
+                                            <p:strVal val="#ppt_x+0.1531"/>
+                                          </p:val>
+                                        </p:tav>
+                                        <p:tav tm="50000">
+                                          <p:val>
+                                            <p:strVal val="#ppt_x+0.1550"/>
+                                          </p:val>
+                                        </p:tav>
+                                        <p:tav tm="55000">
+                                          <p:val>
+                                            <p:strVal val="#ppt_x+0.1531"/>
+                                          </p:val>
+                                        </p:tav>
+                                        <p:tav tm="60000">
+                                          <p:val>
+                                            <p:strVal val="#ppt_x+0.1474"/>
+                                          </p:val>
+                                        </p:tav>
+                                        <p:tav tm="65000">
+                                          <p:val>
+                                            <p:strVal val="#ppt_x+0.1381"/>
+                                          </p:val>
+                                        </p:tav>
+                                        <p:tav tm="70000">
+                                          <p:val>
+                                            <p:strVal val="#ppt_x+0.1254"/>
+                                          </p:val>
+                                        </p:tav>
+                                        <p:tav tm="75000">
+                                          <p:val>
+                                            <p:strVal val="#ppt_x+0.1096"/>
+                                          </p:val>
+                                        </p:tav>
+                                        <p:tav tm="80000">
+                                          <p:val>
+                                            <p:strVal val="#ppt_x+0.0911"/>
+                                          </p:val>
+                                        </p:tav>
+                                        <p:tav tm="85000">
+                                          <p:val>
+                                            <p:strVal val="#ppt_x+0.0704"/>
+                                          </p:val>
+                                        </p:tav>
+                                        <p:tav tm="90000">
+                                          <p:val>
+                                            <p:strVal val="#ppt_x+0.0479"/>
+                                          </p:val>
+                                        </p:tav>
+                                        <p:tav tm="95000">
+                                          <p:val>
+                                            <p:strVal val="#ppt_x+0.0242"/>
+                                          </p:val>
+                                        </p:tav>
+                                        <p:tav tm="100000">
+                                          <p:val>
+                                            <p:strVal val="#ppt_x"/>
+                                          </p:val>
+                                        </p:tav>
+                                      </p:tavLst>
+                                    </p:anim>
+                                    <p:anim calcmode="lin" valueType="num">
+                                      <p:cBhvr>
+                                        <p:cTn id="33" dur="600" decel="50000" fill="hold">
+                                          <p:stCondLst>
+                                            <p:cond delay="400"/>
+                                          </p:stCondLst>
+                                        </p:cTn>
+                                        <p:tgtEl>
+                                          <p:spTgt spid="389">
+                                            <p:txEl>
+                                              <p:pRg st="2" end="2"/>
+                                            </p:txEl>
+                                          </p:spTgt>
+                                        </p:tgtEl>
+                                        <p:attrNameLst>
+                                          <p:attrName>ppt_y</p:attrName>
+                                        </p:attrNameLst>
+                                      </p:cBhvr>
+                                      <p:tavLst>
+                                        <p:tav tm="0">
+                                          <p:val>
+                                            <p:strVal val="#ppt_y+0.31"/>
+                                          </p:val>
+                                        </p:tav>
+                                        <p:tav tm="5000">
+                                          <p:val>
+                                            <p:strVal val="#ppt_y+0.308"/>
+                                          </p:val>
+                                        </p:tav>
+                                        <p:tav tm="10000">
+                                          <p:val>
+                                            <p:strVal val="#ppt_y+0.3024"/>
+                                          </p:val>
+                                        </p:tav>
+                                        <p:tav tm="15000">
+                                          <p:val>
+                                            <p:strVal val="#ppt_y+0.2931"/>
+                                          </p:val>
+                                        </p:tav>
+                                        <p:tav tm="20000">
+                                          <p:val>
+                                            <p:strVal val="#ppt_y+0.2804"/>
+                                          </p:val>
+                                        </p:tav>
+                                        <p:tav tm="25000">
+                                          <p:val>
+                                            <p:strVal val="#ppt_y+0.2646"/>
+                                          </p:val>
+                                        </p:tav>
+                                        <p:tav tm="30000">
+                                          <p:val>
+                                            <p:strVal val="#ppt_y+0.2461"/>
+                                          </p:val>
+                                        </p:tav>
+                                        <p:tav tm="35000">
+                                          <p:val>
+                                            <p:strVal val="#ppt_y+0.2253"/>
+                                          </p:val>
+                                        </p:tav>
+                                        <p:tav tm="40000">
+                                          <p:val>
+                                            <p:strVal val="#ppt_y+0.2029"/>
+                                          </p:val>
+                                        </p:tav>
+                                        <p:tav tm="45000">
+                                          <p:val>
+                                            <p:strVal val="#ppt_y+0.1792"/>
+                                          </p:val>
+                                        </p:tav>
+                                        <p:tav tm="50000">
+                                          <p:val>
+                                            <p:strVal val="#ppt_y+0.155"/>
+                                          </p:val>
+                                        </p:tav>
+                                        <p:tav tm="55000">
+                                          <p:val>
+                                            <p:strVal val="#ppt_y+0.1307"/>
+                                          </p:val>
+                                        </p:tav>
+                                        <p:tav tm="60000">
+                                          <p:val>
+                                            <p:strVal val="#ppt_y+0.1071"/>
+                                          </p:val>
+                                        </p:tav>
+                                        <p:tav tm="65000">
+                                          <p:val>
+                                            <p:strVal val="#ppt_y+0.0846"/>
+                                          </p:val>
+                                        </p:tav>
+                                        <p:tav tm="70000">
+                                          <p:val>
+                                            <p:strVal val="#ppt_y+0.0639"/>
+                                          </p:val>
+                                        </p:tav>
+                                        <p:tav tm="75000">
+                                          <p:val>
+                                            <p:strVal val="#ppt_y+0.0454"/>
+                                          </p:val>
+                                        </p:tav>
+                                        <p:tav tm="80000">
+                                          <p:val>
+                                            <p:strVal val="#ppt_y+0.0296"/>
+                                          </p:val>
+                                        </p:tav>
+                                        <p:tav tm="85000">
+                                          <p:val>
+                                            <p:strVal val="#ppt_y+0.0169"/>
+                                          </p:val>
+                                        </p:tav>
+                                        <p:tav tm="90000">
+                                          <p:val>
+                                            <p:strVal val="#ppt_y+0.0076"/>
+                                          </p:val>
+                                        </p:tav>
+                                        <p:tav tm="95000">
+                                          <p:val>
+                                            <p:strVal val="#ppt_y+0.0019"/>
+                                          </p:val>
+                                        </p:tav>
+                                        <p:tav tm="100000">
+                                          <p:val>
+                                            <p:strVal val="#ppt_y"/>
+                                          </p:val>
+                                        </p:tav>
+                                      </p:tavLst>
+                                    </p:anim>
+                                  </p:childTnLst>
+                                </p:cTn>
+                              </p:par>
+                            </p:childTnLst>
+                          </p:cTn>
+                        </p:par>
+                      </p:childTnLst>
+                    </p:cTn>
+                  </p:par>
+                </p:childTnLst>
+              </p:cTn>
+              <p:prevCondLst>
+                <p:cond evt="onPrev" delay="0">
+                  <p:tgtEl>
+                    <p:sldTgt/>
+                  </p:tgtEl>
+                </p:cond>
+              </p:prevCondLst>
+              <p:nextCondLst>
+                <p:cond evt="onNext" delay="0">
+                  <p:tgtEl>
+                    <p:sldTgt/>
+                  </p:tgtEl>
+                </p:cond>
+              </p:nextCondLst>
+            </p:seq>
+          </p:childTnLst>
+        </p:cTn>
+      </p:par>
+    </p:tnLst>
+    <p:bldLst>
+      <p:bldP spid="388" grpId="0"/>
+      <p:bldP spid="389" grpId="0" build="p"/>
+    </p:bldLst>
+  </p:timing>
 </p:sld>
 </file>
 
@@ -13334,6 +16016,739 @@
   <p:clrMapOvr>
     <a:masterClrMapping/>
   </p:clrMapOvr>
+  <p:timing>
+    <p:tnLst>
+      <p:par>
+        <p:cTn id="1" dur="indefinite" restart="never" nodeType="tmRoot">
+          <p:childTnLst>
+            <p:seq concurrent="1" nextAc="seek">
+              <p:cTn id="2" dur="indefinite" nodeType="mainSeq">
+                <p:childTnLst>
+                  <p:par>
+                    <p:cTn id="3" fill="hold">
+                      <p:stCondLst>
+                        <p:cond delay="indefinite"/>
+                        <p:cond evt="onBegin" delay="0">
+                          <p:tn val="2"/>
+                        </p:cond>
+                      </p:stCondLst>
+                      <p:childTnLst>
+                        <p:par>
+                          <p:cTn id="4" fill="hold">
+                            <p:stCondLst>
+                              <p:cond delay="0"/>
+                            </p:stCondLst>
+                            <p:childTnLst>
+                              <p:par>
+                                <p:cTn id="5" presetID="47" presetClass="entr" presetSubtype="0" fill="hold" grpId="0" nodeType="withEffect">
+                                  <p:stCondLst>
+                                    <p:cond delay="0"/>
+                                  </p:stCondLst>
+                                  <p:childTnLst>
+                                    <p:set>
+                                      <p:cBhvr>
+                                        <p:cTn id="6" dur="1" fill="hold">
+                                          <p:stCondLst>
+                                            <p:cond delay="0"/>
+                                          </p:stCondLst>
+                                        </p:cTn>
+                                        <p:tgtEl>
+                                          <p:spTgt spid="396">
+                                            <p:txEl>
+                                              <p:pRg st="0" end="0"/>
+                                            </p:txEl>
+                                          </p:spTgt>
+                                        </p:tgtEl>
+                                        <p:attrNameLst>
+                                          <p:attrName>style.visibility</p:attrName>
+                                        </p:attrNameLst>
+                                      </p:cBhvr>
+                                      <p:to>
+                                        <p:strVal val="visible"/>
+                                      </p:to>
+                                    </p:set>
+                                    <p:animEffect transition="in" filter="fade">
+                                      <p:cBhvr>
+                                        <p:cTn id="7" dur="1000"/>
+                                        <p:tgtEl>
+                                          <p:spTgt spid="396">
+                                            <p:txEl>
+                                              <p:pRg st="0" end="0"/>
+                                            </p:txEl>
+                                          </p:spTgt>
+                                        </p:tgtEl>
+                                      </p:cBhvr>
+                                    </p:animEffect>
+                                    <p:anim calcmode="lin" valueType="num">
+                                      <p:cBhvr>
+                                        <p:cTn id="8" dur="1000" fill="hold"/>
+                                        <p:tgtEl>
+                                          <p:spTgt spid="396">
+                                            <p:txEl>
+                                              <p:pRg st="0" end="0"/>
+                                            </p:txEl>
+                                          </p:spTgt>
+                                        </p:tgtEl>
+                                        <p:attrNameLst>
+                                          <p:attrName>ppt_x</p:attrName>
+                                        </p:attrNameLst>
+                                      </p:cBhvr>
+                                      <p:tavLst>
+                                        <p:tav tm="0">
+                                          <p:val>
+                                            <p:strVal val="#ppt_x"/>
+                                          </p:val>
+                                        </p:tav>
+                                        <p:tav tm="100000">
+                                          <p:val>
+                                            <p:strVal val="#ppt_x"/>
+                                          </p:val>
+                                        </p:tav>
+                                      </p:tavLst>
+                                    </p:anim>
+                                    <p:anim calcmode="lin" valueType="num">
+                                      <p:cBhvr>
+                                        <p:cTn id="9" dur="1000" fill="hold"/>
+                                        <p:tgtEl>
+                                          <p:spTgt spid="396">
+                                            <p:txEl>
+                                              <p:pRg st="0" end="0"/>
+                                            </p:txEl>
+                                          </p:spTgt>
+                                        </p:tgtEl>
+                                        <p:attrNameLst>
+                                          <p:attrName>ppt_y</p:attrName>
+                                        </p:attrNameLst>
+                                      </p:cBhvr>
+                                      <p:tavLst>
+                                        <p:tav tm="0">
+                                          <p:val>
+                                            <p:strVal val="#ppt_y-.1"/>
+                                          </p:val>
+                                        </p:tav>
+                                        <p:tav tm="100000">
+                                          <p:val>
+                                            <p:strVal val="#ppt_y"/>
+                                          </p:val>
+                                        </p:tav>
+                                      </p:tavLst>
+                                    </p:anim>
+                                  </p:childTnLst>
+                                </p:cTn>
+                              </p:par>
+                              <p:par>
+                                <p:cTn id="10" presetID="47" presetClass="entr" presetSubtype="0" fill="hold" grpId="0" nodeType="withEffect">
+                                  <p:stCondLst>
+                                    <p:cond delay="0"/>
+                                  </p:stCondLst>
+                                  <p:childTnLst>
+                                    <p:set>
+                                      <p:cBhvr>
+                                        <p:cTn id="11" dur="1" fill="hold">
+                                          <p:stCondLst>
+                                            <p:cond delay="0"/>
+                                          </p:stCondLst>
+                                        </p:cTn>
+                                        <p:tgtEl>
+                                          <p:spTgt spid="396">
+                                            <p:txEl>
+                                              <p:pRg st="2" end="2"/>
+                                            </p:txEl>
+                                          </p:spTgt>
+                                        </p:tgtEl>
+                                        <p:attrNameLst>
+                                          <p:attrName>style.visibility</p:attrName>
+                                        </p:attrNameLst>
+                                      </p:cBhvr>
+                                      <p:to>
+                                        <p:strVal val="visible"/>
+                                      </p:to>
+                                    </p:set>
+                                    <p:animEffect transition="in" filter="fade">
+                                      <p:cBhvr>
+                                        <p:cTn id="12" dur="1000"/>
+                                        <p:tgtEl>
+                                          <p:spTgt spid="396">
+                                            <p:txEl>
+                                              <p:pRg st="2" end="2"/>
+                                            </p:txEl>
+                                          </p:spTgt>
+                                        </p:tgtEl>
+                                      </p:cBhvr>
+                                    </p:animEffect>
+                                    <p:anim calcmode="lin" valueType="num">
+                                      <p:cBhvr>
+                                        <p:cTn id="13" dur="1000" fill="hold"/>
+                                        <p:tgtEl>
+                                          <p:spTgt spid="396">
+                                            <p:txEl>
+                                              <p:pRg st="2" end="2"/>
+                                            </p:txEl>
+                                          </p:spTgt>
+                                        </p:tgtEl>
+                                        <p:attrNameLst>
+                                          <p:attrName>ppt_x</p:attrName>
+                                        </p:attrNameLst>
+                                      </p:cBhvr>
+                                      <p:tavLst>
+                                        <p:tav tm="0">
+                                          <p:val>
+                                            <p:strVal val="#ppt_x"/>
+                                          </p:val>
+                                        </p:tav>
+                                        <p:tav tm="100000">
+                                          <p:val>
+                                            <p:strVal val="#ppt_x"/>
+                                          </p:val>
+                                        </p:tav>
+                                      </p:tavLst>
+                                    </p:anim>
+                                    <p:anim calcmode="lin" valueType="num">
+                                      <p:cBhvr>
+                                        <p:cTn id="14" dur="1000" fill="hold"/>
+                                        <p:tgtEl>
+                                          <p:spTgt spid="396">
+                                            <p:txEl>
+                                              <p:pRg st="2" end="2"/>
+                                            </p:txEl>
+                                          </p:spTgt>
+                                        </p:tgtEl>
+                                        <p:attrNameLst>
+                                          <p:attrName>ppt_y</p:attrName>
+                                        </p:attrNameLst>
+                                      </p:cBhvr>
+                                      <p:tavLst>
+                                        <p:tav tm="0">
+                                          <p:val>
+                                            <p:strVal val="#ppt_y-.1"/>
+                                          </p:val>
+                                        </p:tav>
+                                        <p:tav tm="100000">
+                                          <p:val>
+                                            <p:strVal val="#ppt_y"/>
+                                          </p:val>
+                                        </p:tav>
+                                      </p:tavLst>
+                                    </p:anim>
+                                  </p:childTnLst>
+                                </p:cTn>
+                              </p:par>
+                              <p:par>
+                                <p:cTn id="15" presetID="47" presetClass="entr" presetSubtype="0" fill="hold" grpId="0" nodeType="withEffect">
+                                  <p:stCondLst>
+                                    <p:cond delay="0"/>
+                                  </p:stCondLst>
+                                  <p:childTnLst>
+                                    <p:set>
+                                      <p:cBhvr>
+                                        <p:cTn id="16" dur="1" fill="hold">
+                                          <p:stCondLst>
+                                            <p:cond delay="0"/>
+                                          </p:stCondLst>
+                                        </p:cTn>
+                                        <p:tgtEl>
+                                          <p:spTgt spid="396">
+                                            <p:txEl>
+                                              <p:pRg st="3" end="3"/>
+                                            </p:txEl>
+                                          </p:spTgt>
+                                        </p:tgtEl>
+                                        <p:attrNameLst>
+                                          <p:attrName>style.visibility</p:attrName>
+                                        </p:attrNameLst>
+                                      </p:cBhvr>
+                                      <p:to>
+                                        <p:strVal val="visible"/>
+                                      </p:to>
+                                    </p:set>
+                                    <p:animEffect transition="in" filter="fade">
+                                      <p:cBhvr>
+                                        <p:cTn id="17" dur="1000"/>
+                                        <p:tgtEl>
+                                          <p:spTgt spid="396">
+                                            <p:txEl>
+                                              <p:pRg st="3" end="3"/>
+                                            </p:txEl>
+                                          </p:spTgt>
+                                        </p:tgtEl>
+                                      </p:cBhvr>
+                                    </p:animEffect>
+                                    <p:anim calcmode="lin" valueType="num">
+                                      <p:cBhvr>
+                                        <p:cTn id="18" dur="1000" fill="hold"/>
+                                        <p:tgtEl>
+                                          <p:spTgt spid="396">
+                                            <p:txEl>
+                                              <p:pRg st="3" end="3"/>
+                                            </p:txEl>
+                                          </p:spTgt>
+                                        </p:tgtEl>
+                                        <p:attrNameLst>
+                                          <p:attrName>ppt_x</p:attrName>
+                                        </p:attrNameLst>
+                                      </p:cBhvr>
+                                      <p:tavLst>
+                                        <p:tav tm="0">
+                                          <p:val>
+                                            <p:strVal val="#ppt_x"/>
+                                          </p:val>
+                                        </p:tav>
+                                        <p:tav tm="100000">
+                                          <p:val>
+                                            <p:strVal val="#ppt_x"/>
+                                          </p:val>
+                                        </p:tav>
+                                      </p:tavLst>
+                                    </p:anim>
+                                    <p:anim calcmode="lin" valueType="num">
+                                      <p:cBhvr>
+                                        <p:cTn id="19" dur="1000" fill="hold"/>
+                                        <p:tgtEl>
+                                          <p:spTgt spid="396">
+                                            <p:txEl>
+                                              <p:pRg st="3" end="3"/>
+                                            </p:txEl>
+                                          </p:spTgt>
+                                        </p:tgtEl>
+                                        <p:attrNameLst>
+                                          <p:attrName>ppt_y</p:attrName>
+                                        </p:attrNameLst>
+                                      </p:cBhvr>
+                                      <p:tavLst>
+                                        <p:tav tm="0">
+                                          <p:val>
+                                            <p:strVal val="#ppt_y-.1"/>
+                                          </p:val>
+                                        </p:tav>
+                                        <p:tav tm="100000">
+                                          <p:val>
+                                            <p:strVal val="#ppt_y"/>
+                                          </p:val>
+                                        </p:tav>
+                                      </p:tavLst>
+                                    </p:anim>
+                                  </p:childTnLst>
+                                </p:cTn>
+                              </p:par>
+                              <p:par>
+                                <p:cTn id="20" presetID="47" presetClass="entr" presetSubtype="0" fill="hold" grpId="0" nodeType="withEffect">
+                                  <p:stCondLst>
+                                    <p:cond delay="0"/>
+                                  </p:stCondLst>
+                                  <p:childTnLst>
+                                    <p:set>
+                                      <p:cBhvr>
+                                        <p:cTn id="21" dur="1" fill="hold">
+                                          <p:stCondLst>
+                                            <p:cond delay="0"/>
+                                          </p:stCondLst>
+                                        </p:cTn>
+                                        <p:tgtEl>
+                                          <p:spTgt spid="396">
+                                            <p:txEl>
+                                              <p:pRg st="4" end="4"/>
+                                            </p:txEl>
+                                          </p:spTgt>
+                                        </p:tgtEl>
+                                        <p:attrNameLst>
+                                          <p:attrName>style.visibility</p:attrName>
+                                        </p:attrNameLst>
+                                      </p:cBhvr>
+                                      <p:to>
+                                        <p:strVal val="visible"/>
+                                      </p:to>
+                                    </p:set>
+                                    <p:animEffect transition="in" filter="fade">
+                                      <p:cBhvr>
+                                        <p:cTn id="22" dur="1000"/>
+                                        <p:tgtEl>
+                                          <p:spTgt spid="396">
+                                            <p:txEl>
+                                              <p:pRg st="4" end="4"/>
+                                            </p:txEl>
+                                          </p:spTgt>
+                                        </p:tgtEl>
+                                      </p:cBhvr>
+                                    </p:animEffect>
+                                    <p:anim calcmode="lin" valueType="num">
+                                      <p:cBhvr>
+                                        <p:cTn id="23" dur="1000" fill="hold"/>
+                                        <p:tgtEl>
+                                          <p:spTgt spid="396">
+                                            <p:txEl>
+                                              <p:pRg st="4" end="4"/>
+                                            </p:txEl>
+                                          </p:spTgt>
+                                        </p:tgtEl>
+                                        <p:attrNameLst>
+                                          <p:attrName>ppt_x</p:attrName>
+                                        </p:attrNameLst>
+                                      </p:cBhvr>
+                                      <p:tavLst>
+                                        <p:tav tm="0">
+                                          <p:val>
+                                            <p:strVal val="#ppt_x"/>
+                                          </p:val>
+                                        </p:tav>
+                                        <p:tav tm="100000">
+                                          <p:val>
+                                            <p:strVal val="#ppt_x"/>
+                                          </p:val>
+                                        </p:tav>
+                                      </p:tavLst>
+                                    </p:anim>
+                                    <p:anim calcmode="lin" valueType="num">
+                                      <p:cBhvr>
+                                        <p:cTn id="24" dur="1000" fill="hold"/>
+                                        <p:tgtEl>
+                                          <p:spTgt spid="396">
+                                            <p:txEl>
+                                              <p:pRg st="4" end="4"/>
+                                            </p:txEl>
+                                          </p:spTgt>
+                                        </p:tgtEl>
+                                        <p:attrNameLst>
+                                          <p:attrName>ppt_y</p:attrName>
+                                        </p:attrNameLst>
+                                      </p:cBhvr>
+                                      <p:tavLst>
+                                        <p:tav tm="0">
+                                          <p:val>
+                                            <p:strVal val="#ppt_y-.1"/>
+                                          </p:val>
+                                        </p:tav>
+                                        <p:tav tm="100000">
+                                          <p:val>
+                                            <p:strVal val="#ppt_y"/>
+                                          </p:val>
+                                        </p:tav>
+                                      </p:tavLst>
+                                    </p:anim>
+                                  </p:childTnLst>
+                                </p:cTn>
+                              </p:par>
+                              <p:par>
+                                <p:cTn id="25" presetID="47" presetClass="entr" presetSubtype="0" fill="hold" grpId="0" nodeType="withEffect">
+                                  <p:stCondLst>
+                                    <p:cond delay="0"/>
+                                  </p:stCondLst>
+                                  <p:childTnLst>
+                                    <p:set>
+                                      <p:cBhvr>
+                                        <p:cTn id="26" dur="1" fill="hold">
+                                          <p:stCondLst>
+                                            <p:cond delay="0"/>
+                                          </p:stCondLst>
+                                        </p:cTn>
+                                        <p:tgtEl>
+                                          <p:spTgt spid="396">
+                                            <p:txEl>
+                                              <p:pRg st="6" end="6"/>
+                                            </p:txEl>
+                                          </p:spTgt>
+                                        </p:tgtEl>
+                                        <p:attrNameLst>
+                                          <p:attrName>style.visibility</p:attrName>
+                                        </p:attrNameLst>
+                                      </p:cBhvr>
+                                      <p:to>
+                                        <p:strVal val="visible"/>
+                                      </p:to>
+                                    </p:set>
+                                    <p:animEffect transition="in" filter="fade">
+                                      <p:cBhvr>
+                                        <p:cTn id="27" dur="1000"/>
+                                        <p:tgtEl>
+                                          <p:spTgt spid="396">
+                                            <p:txEl>
+                                              <p:pRg st="6" end="6"/>
+                                            </p:txEl>
+                                          </p:spTgt>
+                                        </p:tgtEl>
+                                      </p:cBhvr>
+                                    </p:animEffect>
+                                    <p:anim calcmode="lin" valueType="num">
+                                      <p:cBhvr>
+                                        <p:cTn id="28" dur="1000" fill="hold"/>
+                                        <p:tgtEl>
+                                          <p:spTgt spid="396">
+                                            <p:txEl>
+                                              <p:pRg st="6" end="6"/>
+                                            </p:txEl>
+                                          </p:spTgt>
+                                        </p:tgtEl>
+                                        <p:attrNameLst>
+                                          <p:attrName>ppt_x</p:attrName>
+                                        </p:attrNameLst>
+                                      </p:cBhvr>
+                                      <p:tavLst>
+                                        <p:tav tm="0">
+                                          <p:val>
+                                            <p:strVal val="#ppt_x"/>
+                                          </p:val>
+                                        </p:tav>
+                                        <p:tav tm="100000">
+                                          <p:val>
+                                            <p:strVal val="#ppt_x"/>
+                                          </p:val>
+                                        </p:tav>
+                                      </p:tavLst>
+                                    </p:anim>
+                                    <p:anim calcmode="lin" valueType="num">
+                                      <p:cBhvr>
+                                        <p:cTn id="29" dur="1000" fill="hold"/>
+                                        <p:tgtEl>
+                                          <p:spTgt spid="396">
+                                            <p:txEl>
+                                              <p:pRg st="6" end="6"/>
+                                            </p:txEl>
+                                          </p:spTgt>
+                                        </p:tgtEl>
+                                        <p:attrNameLst>
+                                          <p:attrName>ppt_y</p:attrName>
+                                        </p:attrNameLst>
+                                      </p:cBhvr>
+                                      <p:tavLst>
+                                        <p:tav tm="0">
+                                          <p:val>
+                                            <p:strVal val="#ppt_y-.1"/>
+                                          </p:val>
+                                        </p:tav>
+                                        <p:tav tm="100000">
+                                          <p:val>
+                                            <p:strVal val="#ppt_y"/>
+                                          </p:val>
+                                        </p:tav>
+                                      </p:tavLst>
+                                    </p:anim>
+                                  </p:childTnLst>
+                                </p:cTn>
+                              </p:par>
+                              <p:par>
+                                <p:cTn id="30" presetID="47" presetClass="entr" presetSubtype="0" fill="hold" grpId="0" nodeType="withEffect">
+                                  <p:stCondLst>
+                                    <p:cond delay="0"/>
+                                  </p:stCondLst>
+                                  <p:childTnLst>
+                                    <p:set>
+                                      <p:cBhvr>
+                                        <p:cTn id="31" dur="1" fill="hold">
+                                          <p:stCondLst>
+                                            <p:cond delay="0"/>
+                                          </p:stCondLst>
+                                        </p:cTn>
+                                        <p:tgtEl>
+                                          <p:spTgt spid="396">
+                                            <p:txEl>
+                                              <p:pRg st="8" end="8"/>
+                                            </p:txEl>
+                                          </p:spTgt>
+                                        </p:tgtEl>
+                                        <p:attrNameLst>
+                                          <p:attrName>style.visibility</p:attrName>
+                                        </p:attrNameLst>
+                                      </p:cBhvr>
+                                      <p:to>
+                                        <p:strVal val="visible"/>
+                                      </p:to>
+                                    </p:set>
+                                    <p:animEffect transition="in" filter="fade">
+                                      <p:cBhvr>
+                                        <p:cTn id="32" dur="1000"/>
+                                        <p:tgtEl>
+                                          <p:spTgt spid="396">
+                                            <p:txEl>
+                                              <p:pRg st="8" end="8"/>
+                                            </p:txEl>
+                                          </p:spTgt>
+                                        </p:tgtEl>
+                                      </p:cBhvr>
+                                    </p:animEffect>
+                                    <p:anim calcmode="lin" valueType="num">
+                                      <p:cBhvr>
+                                        <p:cTn id="33" dur="1000" fill="hold"/>
+                                        <p:tgtEl>
+                                          <p:spTgt spid="396">
+                                            <p:txEl>
+                                              <p:pRg st="8" end="8"/>
+                                            </p:txEl>
+                                          </p:spTgt>
+                                        </p:tgtEl>
+                                        <p:attrNameLst>
+                                          <p:attrName>ppt_x</p:attrName>
+                                        </p:attrNameLst>
+                                      </p:cBhvr>
+                                      <p:tavLst>
+                                        <p:tav tm="0">
+                                          <p:val>
+                                            <p:strVal val="#ppt_x"/>
+                                          </p:val>
+                                        </p:tav>
+                                        <p:tav tm="100000">
+                                          <p:val>
+                                            <p:strVal val="#ppt_x"/>
+                                          </p:val>
+                                        </p:tav>
+                                      </p:tavLst>
+                                    </p:anim>
+                                    <p:anim calcmode="lin" valueType="num">
+                                      <p:cBhvr>
+                                        <p:cTn id="34" dur="1000" fill="hold"/>
+                                        <p:tgtEl>
+                                          <p:spTgt spid="396">
+                                            <p:txEl>
+                                              <p:pRg st="8" end="8"/>
+                                            </p:txEl>
+                                          </p:spTgt>
+                                        </p:tgtEl>
+                                        <p:attrNameLst>
+                                          <p:attrName>ppt_y</p:attrName>
+                                        </p:attrNameLst>
+                                      </p:cBhvr>
+                                      <p:tavLst>
+                                        <p:tav tm="0">
+                                          <p:val>
+                                            <p:strVal val="#ppt_y-.1"/>
+                                          </p:val>
+                                        </p:tav>
+                                        <p:tav tm="100000">
+                                          <p:val>
+                                            <p:strVal val="#ppt_y"/>
+                                          </p:val>
+                                        </p:tav>
+                                      </p:tavLst>
+                                    </p:anim>
+                                  </p:childTnLst>
+                                </p:cTn>
+                              </p:par>
+                              <p:par>
+                                <p:cTn id="35" presetID="47" presetClass="entr" presetSubtype="0" fill="hold" grpId="0" nodeType="withEffect">
+                                  <p:stCondLst>
+                                    <p:cond delay="0"/>
+                                  </p:stCondLst>
+                                  <p:childTnLst>
+                                    <p:set>
+                                      <p:cBhvr>
+                                        <p:cTn id="36" dur="1" fill="hold">
+                                          <p:stCondLst>
+                                            <p:cond delay="0"/>
+                                          </p:stCondLst>
+                                        </p:cTn>
+                                        <p:tgtEl>
+                                          <p:spTgt spid="396">
+                                            <p:txEl>
+                                              <p:pRg st="9" end="9"/>
+                                            </p:txEl>
+                                          </p:spTgt>
+                                        </p:tgtEl>
+                                        <p:attrNameLst>
+                                          <p:attrName>style.visibility</p:attrName>
+                                        </p:attrNameLst>
+                                      </p:cBhvr>
+                                      <p:to>
+                                        <p:strVal val="visible"/>
+                                      </p:to>
+                                    </p:set>
+                                    <p:animEffect transition="in" filter="fade">
+                                      <p:cBhvr>
+                                        <p:cTn id="37" dur="1000"/>
+                                        <p:tgtEl>
+                                          <p:spTgt spid="396">
+                                            <p:txEl>
+                                              <p:pRg st="9" end="9"/>
+                                            </p:txEl>
+                                          </p:spTgt>
+                                        </p:tgtEl>
+                                      </p:cBhvr>
+                                    </p:animEffect>
+                                    <p:anim calcmode="lin" valueType="num">
+                                      <p:cBhvr>
+                                        <p:cTn id="38" dur="1000" fill="hold"/>
+                                        <p:tgtEl>
+                                          <p:spTgt spid="396">
+                                            <p:txEl>
+                                              <p:pRg st="9" end="9"/>
+                                            </p:txEl>
+                                          </p:spTgt>
+                                        </p:tgtEl>
+                                        <p:attrNameLst>
+                                          <p:attrName>ppt_x</p:attrName>
+                                        </p:attrNameLst>
+                                      </p:cBhvr>
+                                      <p:tavLst>
+                                        <p:tav tm="0">
+                                          <p:val>
+                                            <p:strVal val="#ppt_x"/>
+                                          </p:val>
+                                        </p:tav>
+                                        <p:tav tm="100000">
+                                          <p:val>
+                                            <p:strVal val="#ppt_x"/>
+                                          </p:val>
+                                        </p:tav>
+                                      </p:tavLst>
+                                    </p:anim>
+                                    <p:anim calcmode="lin" valueType="num">
+                                      <p:cBhvr>
+                                        <p:cTn id="39" dur="1000" fill="hold"/>
+                                        <p:tgtEl>
+                                          <p:spTgt spid="396">
+                                            <p:txEl>
+                                              <p:pRg st="9" end="9"/>
+                                            </p:txEl>
+                                          </p:spTgt>
+                                        </p:tgtEl>
+                                        <p:attrNameLst>
+                                          <p:attrName>ppt_y</p:attrName>
+                                        </p:attrNameLst>
+                                      </p:cBhvr>
+                                      <p:tavLst>
+                                        <p:tav tm="0">
+                                          <p:val>
+                                            <p:strVal val="#ppt_y-.1"/>
+                                          </p:val>
+                                        </p:tav>
+                                        <p:tav tm="100000">
+                                          <p:val>
+                                            <p:strVal val="#ppt_y"/>
+                                          </p:val>
+                                        </p:tav>
+                                      </p:tavLst>
+                                    </p:anim>
+                                  </p:childTnLst>
+                                </p:cTn>
+                              </p:par>
+                            </p:childTnLst>
+                          </p:cTn>
+                        </p:par>
+                      </p:childTnLst>
+                    </p:cTn>
+                  </p:par>
+                </p:childTnLst>
+              </p:cTn>
+              <p:prevCondLst>
+                <p:cond evt="onPrev" delay="0">
+                  <p:tgtEl>
+                    <p:sldTgt/>
+                  </p:tgtEl>
+                </p:cond>
+              </p:prevCondLst>
+              <p:nextCondLst>
+                <p:cond evt="onNext" delay="0">
+                  <p:tgtEl>
+                    <p:sldTgt/>
+                  </p:tgtEl>
+                </p:cond>
+              </p:nextCondLst>
+            </p:seq>
+          </p:childTnLst>
+        </p:cTn>
+      </p:par>
+    </p:tnLst>
+    <p:bldLst>
+      <p:bldP spid="396" grpId="0" build="p"/>
+    </p:bldLst>
+  </p:timing>
 </p:sld>
 </file>
 
@@ -14905,10 +18320,418 @@
   <p:clrMapOvr>
     <a:masterClrMapping/>
   </p:clrMapOvr>
+  <p:timing>
+    <p:tnLst>
+      <p:par>
+        <p:cTn id="1" dur="indefinite" restart="never" nodeType="tmRoot">
+          <p:childTnLst>
+            <p:seq concurrent="1" nextAc="seek">
+              <p:cTn id="2" dur="indefinite" nodeType="mainSeq">
+                <p:childTnLst>
+                  <p:par>
+                    <p:cTn id="3" fill="hold">
+                      <p:stCondLst>
+                        <p:cond delay="indefinite"/>
+                        <p:cond evt="onBegin" delay="0">
+                          <p:tn val="2"/>
+                        </p:cond>
+                      </p:stCondLst>
+                      <p:childTnLst>
+                        <p:par>
+                          <p:cTn id="4" fill="hold">
+                            <p:stCondLst>
+                              <p:cond delay="0"/>
+                            </p:stCondLst>
+                            <p:childTnLst>
+                              <p:par>
+                                <p:cTn id="5" presetID="49" presetClass="entr" presetSubtype="0" decel="100000" fill="hold" nodeType="withEffect">
+                                  <p:stCondLst>
+                                    <p:cond delay="0"/>
+                                  </p:stCondLst>
+                                  <p:childTnLst>
+                                    <p:set>
+                                      <p:cBhvr>
+                                        <p:cTn id="6" dur="1" fill="hold">
+                                          <p:stCondLst>
+                                            <p:cond delay="0"/>
+                                          </p:stCondLst>
+                                        </p:cTn>
+                                        <p:tgtEl>
+                                          <p:spTgt spid="828"/>
+                                        </p:tgtEl>
+                                        <p:attrNameLst>
+                                          <p:attrName>style.visibility</p:attrName>
+                                        </p:attrNameLst>
+                                      </p:cBhvr>
+                                      <p:to>
+                                        <p:strVal val="visible"/>
+                                      </p:to>
+                                    </p:set>
+                                    <p:anim calcmode="lin" valueType="num">
+                                      <p:cBhvr>
+                                        <p:cTn id="7" dur="500" fill="hold"/>
+                                        <p:tgtEl>
+                                          <p:spTgt spid="828"/>
+                                        </p:tgtEl>
+                                        <p:attrNameLst>
+                                          <p:attrName>ppt_w</p:attrName>
+                                        </p:attrNameLst>
+                                      </p:cBhvr>
+                                      <p:tavLst>
+                                        <p:tav tm="0">
+                                          <p:val>
+                                            <p:fltVal val="0"/>
+                                          </p:val>
+                                        </p:tav>
+                                        <p:tav tm="100000">
+                                          <p:val>
+                                            <p:strVal val="#ppt_w"/>
+                                          </p:val>
+                                        </p:tav>
+                                      </p:tavLst>
+                                    </p:anim>
+                                    <p:anim calcmode="lin" valueType="num">
+                                      <p:cBhvr>
+                                        <p:cTn id="8" dur="500" fill="hold"/>
+                                        <p:tgtEl>
+                                          <p:spTgt spid="828"/>
+                                        </p:tgtEl>
+                                        <p:attrNameLst>
+                                          <p:attrName>ppt_h</p:attrName>
+                                        </p:attrNameLst>
+                                      </p:cBhvr>
+                                      <p:tavLst>
+                                        <p:tav tm="0">
+                                          <p:val>
+                                            <p:fltVal val="0"/>
+                                          </p:val>
+                                        </p:tav>
+                                        <p:tav tm="100000">
+                                          <p:val>
+                                            <p:strVal val="#ppt_h"/>
+                                          </p:val>
+                                        </p:tav>
+                                      </p:tavLst>
+                                    </p:anim>
+                                    <p:anim calcmode="lin" valueType="num">
+                                      <p:cBhvr>
+                                        <p:cTn id="9" dur="500" fill="hold"/>
+                                        <p:tgtEl>
+                                          <p:spTgt spid="828"/>
+                                        </p:tgtEl>
+                                        <p:attrNameLst>
+                                          <p:attrName>style.rotation</p:attrName>
+                                        </p:attrNameLst>
+                                      </p:cBhvr>
+                                      <p:tavLst>
+                                        <p:tav tm="0">
+                                          <p:val>
+                                            <p:fltVal val="360"/>
+                                          </p:val>
+                                        </p:tav>
+                                        <p:tav tm="100000">
+                                          <p:val>
+                                            <p:fltVal val="0"/>
+                                          </p:val>
+                                        </p:tav>
+                                      </p:tavLst>
+                                    </p:anim>
+                                    <p:animEffect transition="in" filter="fade">
+                                      <p:cBhvr>
+                                        <p:cTn id="10" dur="500"/>
+                                        <p:tgtEl>
+                                          <p:spTgt spid="828"/>
+                                        </p:tgtEl>
+                                      </p:cBhvr>
+                                    </p:animEffect>
+                                  </p:childTnLst>
+                                </p:cTn>
+                              </p:par>
+                            </p:childTnLst>
+                          </p:cTn>
+                        </p:par>
+                      </p:childTnLst>
+                    </p:cTn>
+                  </p:par>
+                </p:childTnLst>
+              </p:cTn>
+              <p:prevCondLst>
+                <p:cond evt="onPrev" delay="0">
+                  <p:tgtEl>
+                    <p:sldTgt/>
+                  </p:tgtEl>
+                </p:cond>
+              </p:prevCondLst>
+              <p:nextCondLst>
+                <p:cond evt="onNext" delay="0">
+                  <p:tgtEl>
+                    <p:sldTgt/>
+                  </p:tgtEl>
+                </p:cond>
+              </p:nextCondLst>
+            </p:seq>
+          </p:childTnLst>
+        </p:cTn>
+      </p:par>
+    </p:tnLst>
+  </p:timing>
 </p:sld>
 </file>
 
 <file path=ppt/slides/slide6.xml><?xml version="1.0" encoding="utf-8"?>
+<p:sld xmlns:a="http://schemas.openxmlformats.org/drawingml/2006/main" xmlns:r="http://schemas.openxmlformats.org/officeDocument/2006/relationships" xmlns:p="http://schemas.openxmlformats.org/presentationml/2006/main">
+  <p:cSld>
+    <p:spTree>
+      <p:nvGrpSpPr>
+        <p:cNvPr id="1" name=""/>
+        <p:cNvGrpSpPr/>
+        <p:nvPr/>
+      </p:nvGrpSpPr>
+      <p:grpSpPr>
+        <a:xfrm>
+          <a:off x="0" y="0"/>
+          <a:ext cx="0" cy="0"/>
+          <a:chOff x="0" y="0"/>
+          <a:chExt cx="0" cy="0"/>
+        </a:xfrm>
+      </p:grpSpPr>
+      <p:sp>
+        <p:nvSpPr>
+          <p:cNvPr id="3" name="Slide Number Placeholder 2">
+            <a:extLst>
+              <a:ext uri="{FF2B5EF4-FFF2-40B4-BE49-F238E27FC236}">
+                <a16:creationId xmlns:a16="http://schemas.microsoft.com/office/drawing/2014/main" id="{CD45EE2E-BC53-4B52-8A18-5AC3252E7A78}"/>
+              </a:ext>
+            </a:extLst>
+          </p:cNvPr>
+          <p:cNvSpPr>
+            <a:spLocks noGrp="1"/>
+          </p:cNvSpPr>
+          <p:nvPr>
+            <p:ph type="sldNum" idx="12"/>
+          </p:nvPr>
+        </p:nvSpPr>
+        <p:spPr/>
+        <p:txBody>
+          <a:bodyPr/>
+          <a:lstStyle/>
+          <a:p>
+            <a:pPr marL="0" lvl="0" indent="0" algn="r" rtl="0">
+              <a:spcBef>
+                <a:spcPts val="0"/>
+              </a:spcBef>
+              <a:spcAft>
+                <a:spcPts val="0"/>
+              </a:spcAft>
+              <a:buNone/>
+            </a:pPr>
+            <a:fld id="{00000000-1234-1234-1234-123412341234}" type="slidenum">
+              <a:rPr lang="en" smtClean="0"/>
+              <a:t>6</a:t>
+            </a:fld>
+            <a:endParaRPr lang="en"/>
+          </a:p>
+        </p:txBody>
+      </p:sp>
+      <p:pic>
+        <p:nvPicPr>
+          <p:cNvPr id="5" name="Picture 4">
+            <a:extLst>
+              <a:ext uri="{FF2B5EF4-FFF2-40B4-BE49-F238E27FC236}">
+                <a16:creationId xmlns:a16="http://schemas.microsoft.com/office/drawing/2014/main" id="{49A6EFB1-F612-4B67-88D5-90C1BC738752}"/>
+              </a:ext>
+            </a:extLst>
+          </p:cNvPr>
+          <p:cNvPicPr>
+            <a:picLocks noChangeAspect="1"/>
+          </p:cNvPicPr>
+          <p:nvPr/>
+        </p:nvPicPr>
+        <p:blipFill>
+          <a:blip r:embed="rId2"/>
+          <a:stretch>
+            <a:fillRect/>
+          </a:stretch>
+        </p:blipFill>
+        <p:spPr>
+          <a:xfrm>
+            <a:off x="2207419" y="628651"/>
+            <a:ext cx="3551705" cy="3929062"/>
+          </a:xfrm>
+          <a:prstGeom prst="rect">
+            <a:avLst/>
+          </a:prstGeom>
+        </p:spPr>
+      </p:pic>
+    </p:spTree>
+    <p:extLst>
+      <p:ext uri="{BB962C8B-B14F-4D97-AF65-F5344CB8AC3E}">
+        <p14:creationId xmlns:p14="http://schemas.microsoft.com/office/powerpoint/2010/main" val="1308410496"/>
+      </p:ext>
+    </p:extLst>
+  </p:cSld>
+  <p:clrMapOvr>
+    <a:masterClrMapping/>
+  </p:clrMapOvr>
+  <p:timing>
+    <p:tnLst>
+      <p:par>
+        <p:cTn id="1" dur="indefinite" restart="never" nodeType="tmRoot">
+          <p:childTnLst>
+            <p:seq concurrent="1" nextAc="seek">
+              <p:cTn id="2" dur="indefinite" nodeType="mainSeq">
+                <p:childTnLst>
+                  <p:par>
+                    <p:cTn id="3" fill="hold">
+                      <p:stCondLst>
+                        <p:cond delay="indefinite"/>
+                        <p:cond evt="onBegin" delay="0">
+                          <p:tn val="2"/>
+                        </p:cond>
+                      </p:stCondLst>
+                      <p:childTnLst>
+                        <p:par>
+                          <p:cTn id="4" fill="hold">
+                            <p:stCondLst>
+                              <p:cond delay="0"/>
+                            </p:stCondLst>
+                            <p:childTnLst>
+                              <p:par>
+                                <p:cTn id="5" presetID="31" presetClass="entr" presetSubtype="0" fill="hold" nodeType="withEffect">
+                                  <p:stCondLst>
+                                    <p:cond delay="0"/>
+                                  </p:stCondLst>
+                                  <p:childTnLst>
+                                    <p:set>
+                                      <p:cBhvr>
+                                        <p:cTn id="6" dur="1" fill="hold">
+                                          <p:stCondLst>
+                                            <p:cond delay="0"/>
+                                          </p:stCondLst>
+                                        </p:cTn>
+                                        <p:tgtEl>
+                                          <p:spTgt spid="5"/>
+                                        </p:tgtEl>
+                                        <p:attrNameLst>
+                                          <p:attrName>style.visibility</p:attrName>
+                                        </p:attrNameLst>
+                                      </p:cBhvr>
+                                      <p:to>
+                                        <p:strVal val="visible"/>
+                                      </p:to>
+                                    </p:set>
+                                    <p:anim calcmode="lin" valueType="num">
+                                      <p:cBhvr>
+                                        <p:cTn id="7" dur="1000" fill="hold"/>
+                                        <p:tgtEl>
+                                          <p:spTgt spid="5"/>
+                                        </p:tgtEl>
+                                        <p:attrNameLst>
+                                          <p:attrName>ppt_w</p:attrName>
+                                        </p:attrNameLst>
+                                      </p:cBhvr>
+                                      <p:tavLst>
+                                        <p:tav tm="0">
+                                          <p:val>
+                                            <p:fltVal val="0"/>
+                                          </p:val>
+                                        </p:tav>
+                                        <p:tav tm="100000">
+                                          <p:val>
+                                            <p:strVal val="#ppt_w"/>
+                                          </p:val>
+                                        </p:tav>
+                                      </p:tavLst>
+                                    </p:anim>
+                                    <p:anim calcmode="lin" valueType="num">
+                                      <p:cBhvr>
+                                        <p:cTn id="8" dur="1000" fill="hold"/>
+                                        <p:tgtEl>
+                                          <p:spTgt spid="5"/>
+                                        </p:tgtEl>
+                                        <p:attrNameLst>
+                                          <p:attrName>ppt_h</p:attrName>
+                                        </p:attrNameLst>
+                                      </p:cBhvr>
+                                      <p:tavLst>
+                                        <p:tav tm="0">
+                                          <p:val>
+                                            <p:fltVal val="0"/>
+                                          </p:val>
+                                        </p:tav>
+                                        <p:tav tm="100000">
+                                          <p:val>
+                                            <p:strVal val="#ppt_h"/>
+                                          </p:val>
+                                        </p:tav>
+                                      </p:tavLst>
+                                    </p:anim>
+                                    <p:anim calcmode="lin" valueType="num">
+                                      <p:cBhvr>
+                                        <p:cTn id="9" dur="1000" fill="hold"/>
+                                        <p:tgtEl>
+                                          <p:spTgt spid="5"/>
+                                        </p:tgtEl>
+                                        <p:attrNameLst>
+                                          <p:attrName>style.rotation</p:attrName>
+                                        </p:attrNameLst>
+                                      </p:cBhvr>
+                                      <p:tavLst>
+                                        <p:tav tm="0">
+                                          <p:val>
+                                            <p:fltVal val="90"/>
+                                          </p:val>
+                                        </p:tav>
+                                        <p:tav tm="100000">
+                                          <p:val>
+                                            <p:fltVal val="0"/>
+                                          </p:val>
+                                        </p:tav>
+                                      </p:tavLst>
+                                    </p:anim>
+                                    <p:animEffect transition="in" filter="fade">
+                                      <p:cBhvr>
+                                        <p:cTn id="10" dur="1000"/>
+                                        <p:tgtEl>
+                                          <p:spTgt spid="5"/>
+                                        </p:tgtEl>
+                                      </p:cBhvr>
+                                    </p:animEffect>
+                                  </p:childTnLst>
+                                </p:cTn>
+                              </p:par>
+                            </p:childTnLst>
+                          </p:cTn>
+                        </p:par>
+                      </p:childTnLst>
+                    </p:cTn>
+                  </p:par>
+                </p:childTnLst>
+              </p:cTn>
+              <p:prevCondLst>
+                <p:cond evt="onPrev" delay="0">
+                  <p:tgtEl>
+                    <p:sldTgt/>
+                  </p:tgtEl>
+                </p:cond>
+              </p:prevCondLst>
+              <p:nextCondLst>
+                <p:cond evt="onNext" delay="0">
+                  <p:tgtEl>
+                    <p:sldTgt/>
+                  </p:tgtEl>
+                </p:cond>
+              </p:nextCondLst>
+            </p:seq>
+          </p:childTnLst>
+        </p:cTn>
+      </p:par>
+    </p:tnLst>
+  </p:timing>
+</p:sld>
+</file>
+
+<file path=ppt/slides/slide7.xml><?xml version="1.0" encoding="utf-8"?>
 <p:sld xmlns:a="http://schemas.openxmlformats.org/drawingml/2006/main" xmlns:r="http://schemas.openxmlformats.org/officeDocument/2006/relationships" xmlns:p="http://schemas.openxmlformats.org/presentationml/2006/main">
   <p:cSld>
     <p:spTree>
@@ -29514,7 +33337,7 @@
             </a:pPr>
             <a:fld id="{00000000-1234-1234-1234-123412341234}" type="slidenum">
               <a:rPr lang="en"/>
-              <a:t>6</a:t>
+              <a:t>7</a:t>
             </a:fld>
             <a:endParaRPr/>
           </a:p>
@@ -30881,10 +34704,145 @@
   <p:clrMapOvr>
     <a:masterClrMapping/>
   </p:clrMapOvr>
+  <p:timing>
+    <p:tnLst>
+      <p:par>
+        <p:cTn id="1" dur="indefinite" restart="never" nodeType="tmRoot">
+          <p:childTnLst>
+            <p:seq concurrent="1" nextAc="seek">
+              <p:cTn id="2" dur="indefinite" nodeType="mainSeq">
+                <p:childTnLst>
+                  <p:par>
+                    <p:cTn id="3" fill="hold">
+                      <p:stCondLst>
+                        <p:cond delay="indefinite"/>
+                        <p:cond evt="onBegin" delay="0">
+                          <p:tn val="2"/>
+                        </p:cond>
+                      </p:stCondLst>
+                      <p:childTnLst>
+                        <p:par>
+                          <p:cTn id="4" fill="hold">
+                            <p:stCondLst>
+                              <p:cond delay="0"/>
+                            </p:stCondLst>
+                            <p:childTnLst>
+                              <p:par>
+                                <p:cTn id="5" presetID="47" presetClass="entr" presetSubtype="0" fill="hold" grpId="0" nodeType="withEffect">
+                                  <p:stCondLst>
+                                    <p:cond delay="0"/>
+                                  </p:stCondLst>
+                                  <p:childTnLst>
+                                    <p:set>
+                                      <p:cBhvr>
+                                        <p:cTn id="6" dur="1" fill="hold">
+                                          <p:stCondLst>
+                                            <p:cond delay="0"/>
+                                          </p:stCondLst>
+                                        </p:cTn>
+                                        <p:tgtEl>
+                                          <p:spTgt spid="503"/>
+                                        </p:tgtEl>
+                                        <p:attrNameLst>
+                                          <p:attrName>style.visibility</p:attrName>
+                                        </p:attrNameLst>
+                                      </p:cBhvr>
+                                      <p:to>
+                                        <p:strVal val="visible"/>
+                                      </p:to>
+                                    </p:set>
+                                    <p:animEffect transition="in" filter="fade">
+                                      <p:cBhvr>
+                                        <p:cTn id="7" dur="1000"/>
+                                        <p:tgtEl>
+                                          <p:spTgt spid="503"/>
+                                        </p:tgtEl>
+                                      </p:cBhvr>
+                                    </p:animEffect>
+                                    <p:anim calcmode="lin" valueType="num">
+                                      <p:cBhvr>
+                                        <p:cTn id="8" dur="1000" fill="hold"/>
+                                        <p:tgtEl>
+                                          <p:spTgt spid="503"/>
+                                        </p:tgtEl>
+                                        <p:attrNameLst>
+                                          <p:attrName>ppt_x</p:attrName>
+                                        </p:attrNameLst>
+                                      </p:cBhvr>
+                                      <p:tavLst>
+                                        <p:tav tm="0">
+                                          <p:val>
+                                            <p:strVal val="#ppt_x"/>
+                                          </p:val>
+                                        </p:tav>
+                                        <p:tav tm="100000">
+                                          <p:val>
+                                            <p:strVal val="#ppt_x"/>
+                                          </p:val>
+                                        </p:tav>
+                                      </p:tavLst>
+                                    </p:anim>
+                                    <p:anim calcmode="lin" valueType="num">
+                                      <p:cBhvr>
+                                        <p:cTn id="9" dur="1000" fill="hold"/>
+                                        <p:tgtEl>
+                                          <p:spTgt spid="503"/>
+                                        </p:tgtEl>
+                                        <p:attrNameLst>
+                                          <p:attrName>ppt_y</p:attrName>
+                                        </p:attrNameLst>
+                                      </p:cBhvr>
+                                      <p:tavLst>
+                                        <p:tav tm="0">
+                                          <p:val>
+                                            <p:strVal val="#ppt_y-.1"/>
+                                          </p:val>
+                                        </p:tav>
+                                        <p:tav tm="100000">
+                                          <p:val>
+                                            <p:strVal val="#ppt_y"/>
+                                          </p:val>
+                                        </p:tav>
+                                      </p:tavLst>
+                                    </p:anim>
+                                  </p:childTnLst>
+                                </p:cTn>
+                              </p:par>
+                            </p:childTnLst>
+                          </p:cTn>
+                        </p:par>
+                      </p:childTnLst>
+                    </p:cTn>
+                  </p:par>
+                </p:childTnLst>
+              </p:cTn>
+              <p:prevCondLst>
+                <p:cond evt="onPrev" delay="0">
+                  <p:tgtEl>
+                    <p:sldTgt/>
+                  </p:tgtEl>
+                </p:cond>
+              </p:prevCondLst>
+              <p:nextCondLst>
+                <p:cond evt="onNext" delay="0">
+                  <p:tgtEl>
+                    <p:sldTgt/>
+                  </p:tgtEl>
+                </p:cond>
+              </p:nextCondLst>
+            </p:seq>
+          </p:childTnLst>
+        </p:cTn>
+      </p:par>
+    </p:tnLst>
+    <p:bldLst>
+      <p:bldP spid="503" grpId="0" animBg="1"/>
+    </p:bldLst>
+  </p:timing>
 </p:sld>
 </file>
 
-<file path=ppt/slides/slide7.xml><?xml version="1.0" encoding="utf-8"?>
+<file path=ppt/slides/slide8.xml><?xml version="1.0" encoding="utf-8"?>
 <p:sld xmlns:a="http://schemas.openxmlformats.org/drawingml/2006/main" xmlns:r="http://schemas.openxmlformats.org/officeDocument/2006/relationships" xmlns:p="http://schemas.openxmlformats.org/presentationml/2006/main">
   <p:cSld>
     <p:spTree>
@@ -31082,7 +35040,7 @@
             </a:pPr>
             <a:fld id="{00000000-1234-1234-1234-123412341234}" type="slidenum">
               <a:rPr lang="en"/>
-              <a:t>7</a:t>
+              <a:t>8</a:t>
             </a:fld>
             <a:endParaRPr/>
           </a:p>
@@ -31093,10 +35051,452 @@
   <p:clrMapOvr>
     <a:masterClrMapping/>
   </p:clrMapOvr>
+  <p:timing>
+    <p:tnLst>
+      <p:par>
+        <p:cTn id="1" dur="indefinite" restart="never" nodeType="tmRoot">
+          <p:childTnLst>
+            <p:seq concurrent="1" nextAc="seek">
+              <p:cTn id="2" dur="indefinite" nodeType="mainSeq">
+                <p:childTnLst>
+                  <p:par>
+                    <p:cTn id="3" fill="hold">
+                      <p:stCondLst>
+                        <p:cond delay="indefinite"/>
+                        <p:cond evt="onBegin" delay="0">
+                          <p:tn val="2"/>
+                        </p:cond>
+                      </p:stCondLst>
+                      <p:childTnLst>
+                        <p:par>
+                          <p:cTn id="4" fill="hold">
+                            <p:stCondLst>
+                              <p:cond delay="0"/>
+                            </p:stCondLst>
+                            <p:childTnLst>
+                              <p:par>
+                                <p:cTn id="5" presetID="47" presetClass="entr" presetSubtype="0" fill="hold" grpId="0" nodeType="withEffect">
+                                  <p:stCondLst>
+                                    <p:cond delay="0"/>
+                                  </p:stCondLst>
+                                  <p:childTnLst>
+                                    <p:set>
+                                      <p:cBhvr>
+                                        <p:cTn id="6" dur="1" fill="hold">
+                                          <p:stCondLst>
+                                            <p:cond delay="0"/>
+                                          </p:stCondLst>
+                                        </p:cTn>
+                                        <p:tgtEl>
+                                          <p:spTgt spid="408">
+                                            <p:txEl>
+                                              <p:pRg st="0" end="0"/>
+                                            </p:txEl>
+                                          </p:spTgt>
+                                        </p:tgtEl>
+                                        <p:attrNameLst>
+                                          <p:attrName>style.visibility</p:attrName>
+                                        </p:attrNameLst>
+                                      </p:cBhvr>
+                                      <p:to>
+                                        <p:strVal val="visible"/>
+                                      </p:to>
+                                    </p:set>
+                                    <p:animEffect transition="in" filter="fade">
+                                      <p:cBhvr>
+                                        <p:cTn id="7" dur="1000"/>
+                                        <p:tgtEl>
+                                          <p:spTgt spid="408">
+                                            <p:txEl>
+                                              <p:pRg st="0" end="0"/>
+                                            </p:txEl>
+                                          </p:spTgt>
+                                        </p:tgtEl>
+                                      </p:cBhvr>
+                                    </p:animEffect>
+                                    <p:anim calcmode="lin" valueType="num">
+                                      <p:cBhvr>
+                                        <p:cTn id="8" dur="1000" fill="hold"/>
+                                        <p:tgtEl>
+                                          <p:spTgt spid="408">
+                                            <p:txEl>
+                                              <p:pRg st="0" end="0"/>
+                                            </p:txEl>
+                                          </p:spTgt>
+                                        </p:tgtEl>
+                                        <p:attrNameLst>
+                                          <p:attrName>ppt_x</p:attrName>
+                                        </p:attrNameLst>
+                                      </p:cBhvr>
+                                      <p:tavLst>
+                                        <p:tav tm="0">
+                                          <p:val>
+                                            <p:strVal val="#ppt_x"/>
+                                          </p:val>
+                                        </p:tav>
+                                        <p:tav tm="100000">
+                                          <p:val>
+                                            <p:strVal val="#ppt_x"/>
+                                          </p:val>
+                                        </p:tav>
+                                      </p:tavLst>
+                                    </p:anim>
+                                    <p:anim calcmode="lin" valueType="num">
+                                      <p:cBhvr>
+                                        <p:cTn id="9" dur="1000" fill="hold"/>
+                                        <p:tgtEl>
+                                          <p:spTgt spid="408">
+                                            <p:txEl>
+                                              <p:pRg st="0" end="0"/>
+                                            </p:txEl>
+                                          </p:spTgt>
+                                        </p:tgtEl>
+                                        <p:attrNameLst>
+                                          <p:attrName>ppt_y</p:attrName>
+                                        </p:attrNameLst>
+                                      </p:cBhvr>
+                                      <p:tavLst>
+                                        <p:tav tm="0">
+                                          <p:val>
+                                            <p:strVal val="#ppt_y-.1"/>
+                                          </p:val>
+                                        </p:tav>
+                                        <p:tav tm="100000">
+                                          <p:val>
+                                            <p:strVal val="#ppt_y"/>
+                                          </p:val>
+                                        </p:tav>
+                                      </p:tavLst>
+                                    </p:anim>
+                                  </p:childTnLst>
+                                </p:cTn>
+                              </p:par>
+                              <p:par>
+                                <p:cTn id="10" presetID="47" presetClass="entr" presetSubtype="0" fill="hold" grpId="0" nodeType="withEffect">
+                                  <p:stCondLst>
+                                    <p:cond delay="0"/>
+                                  </p:stCondLst>
+                                  <p:childTnLst>
+                                    <p:set>
+                                      <p:cBhvr>
+                                        <p:cTn id="11" dur="1" fill="hold">
+                                          <p:stCondLst>
+                                            <p:cond delay="0"/>
+                                          </p:stCondLst>
+                                        </p:cTn>
+                                        <p:tgtEl>
+                                          <p:spTgt spid="408">
+                                            <p:txEl>
+                                              <p:pRg st="1" end="1"/>
+                                            </p:txEl>
+                                          </p:spTgt>
+                                        </p:tgtEl>
+                                        <p:attrNameLst>
+                                          <p:attrName>style.visibility</p:attrName>
+                                        </p:attrNameLst>
+                                      </p:cBhvr>
+                                      <p:to>
+                                        <p:strVal val="visible"/>
+                                      </p:to>
+                                    </p:set>
+                                    <p:animEffect transition="in" filter="fade">
+                                      <p:cBhvr>
+                                        <p:cTn id="12" dur="1000"/>
+                                        <p:tgtEl>
+                                          <p:spTgt spid="408">
+                                            <p:txEl>
+                                              <p:pRg st="1" end="1"/>
+                                            </p:txEl>
+                                          </p:spTgt>
+                                        </p:tgtEl>
+                                      </p:cBhvr>
+                                    </p:animEffect>
+                                    <p:anim calcmode="lin" valueType="num">
+                                      <p:cBhvr>
+                                        <p:cTn id="13" dur="1000" fill="hold"/>
+                                        <p:tgtEl>
+                                          <p:spTgt spid="408">
+                                            <p:txEl>
+                                              <p:pRg st="1" end="1"/>
+                                            </p:txEl>
+                                          </p:spTgt>
+                                        </p:tgtEl>
+                                        <p:attrNameLst>
+                                          <p:attrName>ppt_x</p:attrName>
+                                        </p:attrNameLst>
+                                      </p:cBhvr>
+                                      <p:tavLst>
+                                        <p:tav tm="0">
+                                          <p:val>
+                                            <p:strVal val="#ppt_x"/>
+                                          </p:val>
+                                        </p:tav>
+                                        <p:tav tm="100000">
+                                          <p:val>
+                                            <p:strVal val="#ppt_x"/>
+                                          </p:val>
+                                        </p:tav>
+                                      </p:tavLst>
+                                    </p:anim>
+                                    <p:anim calcmode="lin" valueType="num">
+                                      <p:cBhvr>
+                                        <p:cTn id="14" dur="1000" fill="hold"/>
+                                        <p:tgtEl>
+                                          <p:spTgt spid="408">
+                                            <p:txEl>
+                                              <p:pRg st="1" end="1"/>
+                                            </p:txEl>
+                                          </p:spTgt>
+                                        </p:tgtEl>
+                                        <p:attrNameLst>
+                                          <p:attrName>ppt_y</p:attrName>
+                                        </p:attrNameLst>
+                                      </p:cBhvr>
+                                      <p:tavLst>
+                                        <p:tav tm="0">
+                                          <p:val>
+                                            <p:strVal val="#ppt_y-.1"/>
+                                          </p:val>
+                                        </p:tav>
+                                        <p:tav tm="100000">
+                                          <p:val>
+                                            <p:strVal val="#ppt_y"/>
+                                          </p:val>
+                                        </p:tav>
+                                      </p:tavLst>
+                                    </p:anim>
+                                  </p:childTnLst>
+                                </p:cTn>
+                              </p:par>
+                              <p:par>
+                                <p:cTn id="15" presetID="47" presetClass="entr" presetSubtype="0" fill="hold" grpId="0" nodeType="withEffect">
+                                  <p:stCondLst>
+                                    <p:cond delay="0"/>
+                                  </p:stCondLst>
+                                  <p:childTnLst>
+                                    <p:set>
+                                      <p:cBhvr>
+                                        <p:cTn id="16" dur="1" fill="hold">
+                                          <p:stCondLst>
+                                            <p:cond delay="0"/>
+                                          </p:stCondLst>
+                                        </p:cTn>
+                                        <p:tgtEl>
+                                          <p:spTgt spid="408">
+                                            <p:txEl>
+                                              <p:pRg st="2" end="2"/>
+                                            </p:txEl>
+                                          </p:spTgt>
+                                        </p:tgtEl>
+                                        <p:attrNameLst>
+                                          <p:attrName>style.visibility</p:attrName>
+                                        </p:attrNameLst>
+                                      </p:cBhvr>
+                                      <p:to>
+                                        <p:strVal val="visible"/>
+                                      </p:to>
+                                    </p:set>
+                                    <p:animEffect transition="in" filter="fade">
+                                      <p:cBhvr>
+                                        <p:cTn id="17" dur="1000"/>
+                                        <p:tgtEl>
+                                          <p:spTgt spid="408">
+                                            <p:txEl>
+                                              <p:pRg st="2" end="2"/>
+                                            </p:txEl>
+                                          </p:spTgt>
+                                        </p:tgtEl>
+                                      </p:cBhvr>
+                                    </p:animEffect>
+                                    <p:anim calcmode="lin" valueType="num">
+                                      <p:cBhvr>
+                                        <p:cTn id="18" dur="1000" fill="hold"/>
+                                        <p:tgtEl>
+                                          <p:spTgt spid="408">
+                                            <p:txEl>
+                                              <p:pRg st="2" end="2"/>
+                                            </p:txEl>
+                                          </p:spTgt>
+                                        </p:tgtEl>
+                                        <p:attrNameLst>
+                                          <p:attrName>ppt_x</p:attrName>
+                                        </p:attrNameLst>
+                                      </p:cBhvr>
+                                      <p:tavLst>
+                                        <p:tav tm="0">
+                                          <p:val>
+                                            <p:strVal val="#ppt_x"/>
+                                          </p:val>
+                                        </p:tav>
+                                        <p:tav tm="100000">
+                                          <p:val>
+                                            <p:strVal val="#ppt_x"/>
+                                          </p:val>
+                                        </p:tav>
+                                      </p:tavLst>
+                                    </p:anim>
+                                    <p:anim calcmode="lin" valueType="num">
+                                      <p:cBhvr>
+                                        <p:cTn id="19" dur="1000" fill="hold"/>
+                                        <p:tgtEl>
+                                          <p:spTgt spid="408">
+                                            <p:txEl>
+                                              <p:pRg st="2" end="2"/>
+                                            </p:txEl>
+                                          </p:spTgt>
+                                        </p:tgtEl>
+                                        <p:attrNameLst>
+                                          <p:attrName>ppt_y</p:attrName>
+                                        </p:attrNameLst>
+                                      </p:cBhvr>
+                                      <p:tavLst>
+                                        <p:tav tm="0">
+                                          <p:val>
+                                            <p:strVal val="#ppt_y-.1"/>
+                                          </p:val>
+                                        </p:tav>
+                                        <p:tav tm="100000">
+                                          <p:val>
+                                            <p:strVal val="#ppt_y"/>
+                                          </p:val>
+                                        </p:tav>
+                                      </p:tavLst>
+                                    </p:anim>
+                                  </p:childTnLst>
+                                </p:cTn>
+                              </p:par>
+                              <p:par>
+                                <p:cTn id="20" presetID="47" presetClass="entr" presetSubtype="0" fill="hold" grpId="0" nodeType="withEffect">
+                                  <p:stCondLst>
+                                    <p:cond delay="0"/>
+                                  </p:stCondLst>
+                                  <p:childTnLst>
+                                    <p:set>
+                                      <p:cBhvr>
+                                        <p:cTn id="21" dur="1" fill="hold">
+                                          <p:stCondLst>
+                                            <p:cond delay="0"/>
+                                          </p:stCondLst>
+                                        </p:cTn>
+                                        <p:tgtEl>
+                                          <p:spTgt spid="408">
+                                            <p:txEl>
+                                              <p:pRg st="3" end="3"/>
+                                            </p:txEl>
+                                          </p:spTgt>
+                                        </p:tgtEl>
+                                        <p:attrNameLst>
+                                          <p:attrName>style.visibility</p:attrName>
+                                        </p:attrNameLst>
+                                      </p:cBhvr>
+                                      <p:to>
+                                        <p:strVal val="visible"/>
+                                      </p:to>
+                                    </p:set>
+                                    <p:animEffect transition="in" filter="fade">
+                                      <p:cBhvr>
+                                        <p:cTn id="22" dur="1000"/>
+                                        <p:tgtEl>
+                                          <p:spTgt spid="408">
+                                            <p:txEl>
+                                              <p:pRg st="3" end="3"/>
+                                            </p:txEl>
+                                          </p:spTgt>
+                                        </p:tgtEl>
+                                      </p:cBhvr>
+                                    </p:animEffect>
+                                    <p:anim calcmode="lin" valueType="num">
+                                      <p:cBhvr>
+                                        <p:cTn id="23" dur="1000" fill="hold"/>
+                                        <p:tgtEl>
+                                          <p:spTgt spid="408">
+                                            <p:txEl>
+                                              <p:pRg st="3" end="3"/>
+                                            </p:txEl>
+                                          </p:spTgt>
+                                        </p:tgtEl>
+                                        <p:attrNameLst>
+                                          <p:attrName>ppt_x</p:attrName>
+                                        </p:attrNameLst>
+                                      </p:cBhvr>
+                                      <p:tavLst>
+                                        <p:tav tm="0">
+                                          <p:val>
+                                            <p:strVal val="#ppt_x"/>
+                                          </p:val>
+                                        </p:tav>
+                                        <p:tav tm="100000">
+                                          <p:val>
+                                            <p:strVal val="#ppt_x"/>
+                                          </p:val>
+                                        </p:tav>
+                                      </p:tavLst>
+                                    </p:anim>
+                                    <p:anim calcmode="lin" valueType="num">
+                                      <p:cBhvr>
+                                        <p:cTn id="24" dur="1000" fill="hold"/>
+                                        <p:tgtEl>
+                                          <p:spTgt spid="408">
+                                            <p:txEl>
+                                              <p:pRg st="3" end="3"/>
+                                            </p:txEl>
+                                          </p:spTgt>
+                                        </p:tgtEl>
+                                        <p:attrNameLst>
+                                          <p:attrName>ppt_y</p:attrName>
+                                        </p:attrNameLst>
+                                      </p:cBhvr>
+                                      <p:tavLst>
+                                        <p:tav tm="0">
+                                          <p:val>
+                                            <p:strVal val="#ppt_y-.1"/>
+                                          </p:val>
+                                        </p:tav>
+                                        <p:tav tm="100000">
+                                          <p:val>
+                                            <p:strVal val="#ppt_y"/>
+                                          </p:val>
+                                        </p:tav>
+                                      </p:tavLst>
+                                    </p:anim>
+                                  </p:childTnLst>
+                                </p:cTn>
+                              </p:par>
+                            </p:childTnLst>
+                          </p:cTn>
+                        </p:par>
+                      </p:childTnLst>
+                    </p:cTn>
+                  </p:par>
+                </p:childTnLst>
+              </p:cTn>
+              <p:prevCondLst>
+                <p:cond evt="onPrev" delay="0">
+                  <p:tgtEl>
+                    <p:sldTgt/>
+                  </p:tgtEl>
+                </p:cond>
+              </p:prevCondLst>
+              <p:nextCondLst>
+                <p:cond evt="onNext" delay="0">
+                  <p:tgtEl>
+                    <p:sldTgt/>
+                  </p:tgtEl>
+                </p:cond>
+              </p:nextCondLst>
+            </p:seq>
+          </p:childTnLst>
+        </p:cTn>
+      </p:par>
+    </p:tnLst>
+    <p:bldLst>
+      <p:bldP spid="408" grpId="0" build="p"/>
+    </p:bldLst>
+  </p:timing>
 </p:sld>
 </file>
 
-<file path=ppt/slides/slide8.xml><?xml version="1.0" encoding="utf-8"?>
+<file path=ppt/slides/slide9.xml><?xml version="1.0" encoding="utf-8"?>
 <p:sld xmlns:a="http://schemas.openxmlformats.org/drawingml/2006/main" xmlns:r="http://schemas.openxmlformats.org/officeDocument/2006/relationships" xmlns:p="http://schemas.openxmlformats.org/presentationml/2006/main">
   <p:cSld>
     <p:spTree>
@@ -31283,7 +35683,7 @@
             </a:pPr>
             <a:fld id="{00000000-1234-1234-1234-123412341234}" type="slidenum">
               <a:rPr lang="en"/>
-              <a:t>8</a:t>
+              <a:t>9</a:t>
             </a:fld>
             <a:endParaRPr/>
           </a:p>
@@ -31299,174 +35699,254 @@
   <p:clrMapOvr>
     <a:masterClrMapping/>
   </p:clrMapOvr>
-</p:sld>
-</file>
-
-<file path=ppt/slides/slide9.xml><?xml version="1.0" encoding="utf-8"?>
-<p:sld xmlns:a="http://schemas.openxmlformats.org/drawingml/2006/main" xmlns:r="http://schemas.openxmlformats.org/officeDocument/2006/relationships" xmlns:p="http://schemas.openxmlformats.org/presentationml/2006/main">
-  <p:cSld>
-    <p:spTree>
-      <p:nvGrpSpPr>
-        <p:cNvPr id="1" name="Shape 406"/>
-        <p:cNvGrpSpPr/>
-        <p:nvPr/>
-      </p:nvGrpSpPr>
-      <p:grpSpPr>
-        <a:xfrm>
-          <a:off x="0" y="0"/>
-          <a:ext cx="0" cy="0"/>
-          <a:chOff x="0" y="0"/>
-          <a:chExt cx="0" cy="0"/>
-        </a:xfrm>
-      </p:grpSpPr>
-      <p:sp>
-        <p:nvSpPr>
-          <p:cNvPr id="407" name="Google Shape;407;p18"/>
-          <p:cNvSpPr txBox="1">
-            <a:spLocks noGrp="1"/>
-          </p:cNvSpPr>
-          <p:nvPr>
-            <p:ph type="title"/>
-          </p:nvPr>
-        </p:nvSpPr>
-        <p:spPr>
-          <a:xfrm>
-            <a:off x="1645920" y="822925"/>
-            <a:ext cx="6475200" cy="830615"/>
-          </a:xfrm>
-          <a:prstGeom prst="rect">
-            <a:avLst/>
-          </a:prstGeom>
-        </p:spPr>
-        <p:txBody>
-          <a:bodyPr spcFirstLastPara="1" wrap="square" lIns="0" tIns="0" rIns="0" bIns="0" anchor="b" anchorCtr="0">
-            <a:noAutofit/>
-          </a:bodyPr>
-          <a:lstStyle/>
-          <a:p>
-            <a:pPr marL="0" lvl="0" indent="0" algn="l" rtl="0">
-              <a:spcBef>
-                <a:spcPts val="0"/>
-              </a:spcBef>
-              <a:spcAft>
-                <a:spcPts val="0"/>
-              </a:spcAft>
-              <a:buNone/>
-            </a:pPr>
-            <a:r>
-              <a:rPr lang="en-IN" sz="6000" dirty="0">
-                <a:solidFill>
-                  <a:schemeClr val="accent1"/>
-                </a:solidFill>
-              </a:rPr>
-              <a:t>Future Scope</a:t>
-            </a:r>
-            <a:endParaRPr sz="6000" dirty="0">
-              <a:solidFill>
-                <a:schemeClr val="accent1"/>
-              </a:solidFill>
-            </a:endParaRPr>
-          </a:p>
-        </p:txBody>
-      </p:sp>
-      <p:sp>
-        <p:nvSpPr>
-          <p:cNvPr id="408" name="Google Shape;408;p18"/>
-          <p:cNvSpPr txBox="1">
-            <a:spLocks noGrp="1"/>
-          </p:cNvSpPr>
-          <p:nvPr>
-            <p:ph type="body" idx="1"/>
-          </p:nvPr>
-        </p:nvSpPr>
-        <p:spPr>
-          <a:xfrm>
-            <a:off x="1540140" y="1653540"/>
-            <a:ext cx="6369420" cy="2499360"/>
-          </a:xfrm>
-          <a:prstGeom prst="rect">
-            <a:avLst/>
-          </a:prstGeom>
-        </p:spPr>
-        <p:txBody>
-          <a:bodyPr spcFirstLastPara="1" wrap="square" lIns="0" tIns="0" rIns="0" bIns="0" anchor="t" anchorCtr="0">
-            <a:noAutofit/>
-          </a:bodyPr>
-          <a:lstStyle/>
-          <a:p>
-            <a:pPr marL="457200" lvl="0" indent="-381000" algn="l" rtl="0">
-              <a:spcBef>
-                <a:spcPts val="0"/>
-              </a:spcBef>
-              <a:spcAft>
-                <a:spcPts val="0"/>
-              </a:spcAft>
-              <a:buSzPts val="2400"/>
-              <a:buChar char="⩥"/>
-            </a:pPr>
-            <a:r>
-              <a:rPr lang="en" dirty="0"/>
-              <a:t>Now a day </a:t>
-            </a:r>
-            <a:r>
-              <a:rPr lang="en-IN" dirty="0"/>
-              <a:t>most of the websites and even applications uses this reverse geocoding techniques like Amazon, Flipkart , Google Maps, Zomato , Swiggy , Uber, Ola etc. to know the exact location of the user and send their product to that location.</a:t>
-            </a:r>
-          </a:p>
-        </p:txBody>
-      </p:sp>
-      <p:sp>
-        <p:nvSpPr>
-          <p:cNvPr id="409" name="Google Shape;409;p18"/>
-          <p:cNvSpPr txBox="1">
-            <a:spLocks noGrp="1"/>
-          </p:cNvSpPr>
-          <p:nvPr>
-            <p:ph type="sldNum" idx="12"/>
-          </p:nvPr>
-        </p:nvSpPr>
-        <p:spPr>
-          <a:xfrm>
-            <a:off x="8552377" y="4673650"/>
-            <a:ext cx="400800" cy="393600"/>
-          </a:xfrm>
-          <a:prstGeom prst="rect">
-            <a:avLst/>
-          </a:prstGeom>
-        </p:spPr>
-        <p:txBody>
-          <a:bodyPr spcFirstLastPara="1" wrap="square" lIns="0" tIns="0" rIns="0" bIns="0" anchor="ctr" anchorCtr="0">
-            <a:noAutofit/>
-          </a:bodyPr>
-          <a:lstStyle/>
-          <a:p>
-            <a:pPr marL="0" lvl="0" indent="0" algn="r" rtl="0">
-              <a:spcBef>
-                <a:spcPts val="0"/>
-              </a:spcBef>
-              <a:spcAft>
-                <a:spcPts val="0"/>
-              </a:spcAft>
-              <a:buNone/>
-            </a:pPr>
-            <a:fld id="{00000000-1234-1234-1234-123412341234}" type="slidenum">
-              <a:rPr lang="en"/>
-              <a:t>9</a:t>
-            </a:fld>
-            <a:endParaRPr/>
-          </a:p>
-        </p:txBody>
-      </p:sp>
-    </p:spTree>
-    <p:extLst>
-      <p:ext uri="{BB962C8B-B14F-4D97-AF65-F5344CB8AC3E}">
-        <p14:creationId xmlns:p14="http://schemas.microsoft.com/office/powerpoint/2010/main" val="1973128953"/>
-      </p:ext>
-    </p:extLst>
-  </p:cSld>
-  <p:clrMapOvr>
-    <a:masterClrMapping/>
-  </p:clrMapOvr>
+  <p:timing>
+    <p:tnLst>
+      <p:par>
+        <p:cTn id="1" dur="indefinite" restart="never" nodeType="tmRoot">
+          <p:childTnLst>
+            <p:seq concurrent="1" nextAc="seek">
+              <p:cTn id="2" dur="indefinite" nodeType="mainSeq">
+                <p:childTnLst>
+                  <p:par>
+                    <p:cTn id="3" fill="hold">
+                      <p:stCondLst>
+                        <p:cond delay="indefinite"/>
+                        <p:cond evt="onBegin" delay="0">
+                          <p:tn val="2"/>
+                        </p:cond>
+                      </p:stCondLst>
+                      <p:childTnLst>
+                        <p:par>
+                          <p:cTn id="4" fill="hold">
+                            <p:stCondLst>
+                              <p:cond delay="0"/>
+                            </p:stCondLst>
+                            <p:childTnLst>
+                              <p:par>
+                                <p:cTn id="5" presetID="47" presetClass="entr" presetSubtype="0" fill="hold" grpId="0" nodeType="withEffect">
+                                  <p:stCondLst>
+                                    <p:cond delay="0"/>
+                                  </p:stCondLst>
+                                  <p:childTnLst>
+                                    <p:set>
+                                      <p:cBhvr>
+                                        <p:cTn id="6" dur="1" fill="hold">
+                                          <p:stCondLst>
+                                            <p:cond delay="0"/>
+                                          </p:stCondLst>
+                                        </p:cTn>
+                                        <p:tgtEl>
+                                          <p:spTgt spid="408">
+                                            <p:txEl>
+                                              <p:pRg st="0" end="0"/>
+                                            </p:txEl>
+                                          </p:spTgt>
+                                        </p:tgtEl>
+                                        <p:attrNameLst>
+                                          <p:attrName>style.visibility</p:attrName>
+                                        </p:attrNameLst>
+                                      </p:cBhvr>
+                                      <p:to>
+                                        <p:strVal val="visible"/>
+                                      </p:to>
+                                    </p:set>
+                                    <p:animEffect transition="in" filter="fade">
+                                      <p:cBhvr>
+                                        <p:cTn id="7" dur="1000"/>
+                                        <p:tgtEl>
+                                          <p:spTgt spid="408">
+                                            <p:txEl>
+                                              <p:pRg st="0" end="0"/>
+                                            </p:txEl>
+                                          </p:spTgt>
+                                        </p:tgtEl>
+                                      </p:cBhvr>
+                                    </p:animEffect>
+                                    <p:anim calcmode="lin" valueType="num">
+                                      <p:cBhvr>
+                                        <p:cTn id="8" dur="1000" fill="hold"/>
+                                        <p:tgtEl>
+                                          <p:spTgt spid="408">
+                                            <p:txEl>
+                                              <p:pRg st="0" end="0"/>
+                                            </p:txEl>
+                                          </p:spTgt>
+                                        </p:tgtEl>
+                                        <p:attrNameLst>
+                                          <p:attrName>ppt_x</p:attrName>
+                                        </p:attrNameLst>
+                                      </p:cBhvr>
+                                      <p:tavLst>
+                                        <p:tav tm="0">
+                                          <p:val>
+                                            <p:strVal val="#ppt_x"/>
+                                          </p:val>
+                                        </p:tav>
+                                        <p:tav tm="100000">
+                                          <p:val>
+                                            <p:strVal val="#ppt_x"/>
+                                          </p:val>
+                                        </p:tav>
+                                      </p:tavLst>
+                                    </p:anim>
+                                    <p:anim calcmode="lin" valueType="num">
+                                      <p:cBhvr>
+                                        <p:cTn id="9" dur="1000" fill="hold"/>
+                                        <p:tgtEl>
+                                          <p:spTgt spid="408">
+                                            <p:txEl>
+                                              <p:pRg st="0" end="0"/>
+                                            </p:txEl>
+                                          </p:spTgt>
+                                        </p:tgtEl>
+                                        <p:attrNameLst>
+                                          <p:attrName>ppt_y</p:attrName>
+                                        </p:attrNameLst>
+                                      </p:cBhvr>
+                                      <p:tavLst>
+                                        <p:tav tm="0">
+                                          <p:val>
+                                            <p:strVal val="#ppt_y-.1"/>
+                                          </p:val>
+                                        </p:tav>
+                                        <p:tav tm="100000">
+                                          <p:val>
+                                            <p:strVal val="#ppt_y"/>
+                                          </p:val>
+                                        </p:tav>
+                                      </p:tavLst>
+                                    </p:anim>
+                                  </p:childTnLst>
+                                </p:cTn>
+                              </p:par>
+                              <p:par>
+                                <p:cTn id="10" presetID="47" presetClass="entr" presetSubtype="0" fill="hold" grpId="0" nodeType="withEffect">
+                                  <p:stCondLst>
+                                    <p:cond delay="0"/>
+                                  </p:stCondLst>
+                                  <p:childTnLst>
+                                    <p:set>
+                                      <p:cBhvr>
+                                        <p:cTn id="11" dur="1" fill="hold">
+                                          <p:stCondLst>
+                                            <p:cond delay="0"/>
+                                          </p:stCondLst>
+                                        </p:cTn>
+                                        <p:tgtEl>
+                                          <p:spTgt spid="408">
+                                            <p:txEl>
+                                              <p:pRg st="1" end="1"/>
+                                            </p:txEl>
+                                          </p:spTgt>
+                                        </p:tgtEl>
+                                        <p:attrNameLst>
+                                          <p:attrName>style.visibility</p:attrName>
+                                        </p:attrNameLst>
+                                      </p:cBhvr>
+                                      <p:to>
+                                        <p:strVal val="visible"/>
+                                      </p:to>
+                                    </p:set>
+                                    <p:animEffect transition="in" filter="fade">
+                                      <p:cBhvr>
+                                        <p:cTn id="12" dur="1000"/>
+                                        <p:tgtEl>
+                                          <p:spTgt spid="408">
+                                            <p:txEl>
+                                              <p:pRg st="1" end="1"/>
+                                            </p:txEl>
+                                          </p:spTgt>
+                                        </p:tgtEl>
+                                      </p:cBhvr>
+                                    </p:animEffect>
+                                    <p:anim calcmode="lin" valueType="num">
+                                      <p:cBhvr>
+                                        <p:cTn id="13" dur="1000" fill="hold"/>
+                                        <p:tgtEl>
+                                          <p:spTgt spid="408">
+                                            <p:txEl>
+                                              <p:pRg st="1" end="1"/>
+                                            </p:txEl>
+                                          </p:spTgt>
+                                        </p:tgtEl>
+                                        <p:attrNameLst>
+                                          <p:attrName>ppt_x</p:attrName>
+                                        </p:attrNameLst>
+                                      </p:cBhvr>
+                                      <p:tavLst>
+                                        <p:tav tm="0">
+                                          <p:val>
+                                            <p:strVal val="#ppt_x"/>
+                                          </p:val>
+                                        </p:tav>
+                                        <p:tav tm="100000">
+                                          <p:val>
+                                            <p:strVal val="#ppt_x"/>
+                                          </p:val>
+                                        </p:tav>
+                                      </p:tavLst>
+                                    </p:anim>
+                                    <p:anim calcmode="lin" valueType="num">
+                                      <p:cBhvr>
+                                        <p:cTn id="14" dur="1000" fill="hold"/>
+                                        <p:tgtEl>
+                                          <p:spTgt spid="408">
+                                            <p:txEl>
+                                              <p:pRg st="1" end="1"/>
+                                            </p:txEl>
+                                          </p:spTgt>
+                                        </p:tgtEl>
+                                        <p:attrNameLst>
+                                          <p:attrName>ppt_y</p:attrName>
+                                        </p:attrNameLst>
+                                      </p:cBhvr>
+                                      <p:tavLst>
+                                        <p:tav tm="0">
+                                          <p:val>
+                                            <p:strVal val="#ppt_y-.1"/>
+                                          </p:val>
+                                        </p:tav>
+                                        <p:tav tm="100000">
+                                          <p:val>
+                                            <p:strVal val="#ppt_y"/>
+                                          </p:val>
+                                        </p:tav>
+                                      </p:tavLst>
+                                    </p:anim>
+                                  </p:childTnLst>
+                                </p:cTn>
+                              </p:par>
+                            </p:childTnLst>
+                          </p:cTn>
+                        </p:par>
+                      </p:childTnLst>
+                    </p:cTn>
+                  </p:par>
+                </p:childTnLst>
+              </p:cTn>
+              <p:prevCondLst>
+                <p:cond evt="onPrev" delay="0">
+                  <p:tgtEl>
+                    <p:sldTgt/>
+                  </p:tgtEl>
+                </p:cond>
+              </p:prevCondLst>
+              <p:nextCondLst>
+                <p:cond evt="onNext" delay="0">
+                  <p:tgtEl>
+                    <p:sldTgt/>
+                  </p:tgtEl>
+                </p:cond>
+              </p:nextCondLst>
+            </p:seq>
+          </p:childTnLst>
+        </p:cTn>
+      </p:par>
+    </p:tnLst>
+    <p:bldLst>
+      <p:bldP spid="408" grpId="0" build="p"/>
+    </p:bldLst>
+  </p:timing>
 </p:sld>
 </file>
 
